--- a/mid/期中報告.pptx
+++ b/mid/期中報告.pptx
@@ -118,11 +118,809 @@
       </a:defRPr>
     </a:lvl9pPr>
   </p:defaultTextStyle>
+  <p:extLst>
+    <p:ext uri="{EFAFB233-063F-42B5-8137-9DF3F51BA10A}">
+      <p15:sldGuideLst xmlns:p15="http://schemas.microsoft.com/office/powerpoint/2012/main">
+        <p15:guide id="1" orient="horz" pos="2160">
+          <p15:clr>
+            <a:srgbClr val="A4A3A4"/>
+          </p15:clr>
+        </p15:guide>
+        <p15:guide id="2" pos="3840">
+          <p15:clr>
+            <a:srgbClr val="A4A3A4"/>
+          </p15:clr>
+        </p15:guide>
+      </p15:sldGuideLst>
+    </p:ext>
+  </p:extLst>
 </p:presentation>
 </file>
 
 <file path=ppt/diagrams/colors1.xml><?xml version="1.0" encoding="utf-8"?>
-<dgm:colorsDef xmlns:dgm="http://schemas.openxmlformats.org/drawingml/2006/diagram" xmlns:a="http://schemas.openxmlformats.org/drawingml/2006/main" uniqueId="urn:microsoft.com/office/officeart/2005/8/colors/colorful1#1">
+<dgm:colorsDef xmlns:dgm="http://schemas.openxmlformats.org/drawingml/2006/diagram" xmlns:a="http://schemas.openxmlformats.org/drawingml/2006/main" uniqueId="urn:microsoft.com/office/officeart/2005/8/colors/colorful3">
+  <dgm:title val=""/>
+  <dgm:desc val=""/>
+  <dgm:catLst>
+    <dgm:cat type="colorful" pri="10300"/>
+  </dgm:catLst>
+  <dgm:styleLbl name="node0">
+    <dgm:fillClrLst meth="repeat">
+      <a:schemeClr val="accent2"/>
+    </dgm:fillClrLst>
+    <dgm:linClrLst meth="repeat">
+      <a:schemeClr val="lt1"/>
+    </dgm:linClrLst>
+    <dgm:effectClrLst/>
+    <dgm:txLinClrLst/>
+    <dgm:txFillClrLst/>
+    <dgm:txEffectClrLst/>
+  </dgm:styleLbl>
+  <dgm:styleLbl name="node1">
+    <dgm:fillClrLst>
+      <a:schemeClr val="accent3"/>
+      <a:schemeClr val="accent4"/>
+    </dgm:fillClrLst>
+    <dgm:linClrLst meth="repeat">
+      <a:schemeClr val="lt1"/>
+    </dgm:linClrLst>
+    <dgm:effectClrLst/>
+    <dgm:txLinClrLst/>
+    <dgm:txFillClrLst/>
+    <dgm:txEffectClrLst/>
+  </dgm:styleLbl>
+  <dgm:styleLbl name="alignNode1">
+    <dgm:fillClrLst>
+      <a:schemeClr val="accent3"/>
+      <a:schemeClr val="accent4"/>
+    </dgm:fillClrLst>
+    <dgm:linClrLst>
+      <a:schemeClr val="accent3"/>
+      <a:schemeClr val="accent4"/>
+    </dgm:linClrLst>
+    <dgm:effectClrLst/>
+    <dgm:txLinClrLst/>
+    <dgm:txFillClrLst/>
+    <dgm:txEffectClrLst/>
+  </dgm:styleLbl>
+  <dgm:styleLbl name="lnNode1">
+    <dgm:fillClrLst>
+      <a:schemeClr val="accent3"/>
+      <a:schemeClr val="accent4"/>
+    </dgm:fillClrLst>
+    <dgm:linClrLst meth="repeat">
+      <a:schemeClr val="lt1"/>
+    </dgm:linClrLst>
+    <dgm:effectClrLst/>
+    <dgm:txLinClrLst/>
+    <dgm:txFillClrLst/>
+    <dgm:txEffectClrLst/>
+  </dgm:styleLbl>
+  <dgm:styleLbl name="vennNode1">
+    <dgm:fillClrLst>
+      <a:schemeClr val="accent3">
+        <a:alpha val="50000"/>
+      </a:schemeClr>
+      <a:schemeClr val="accent4">
+        <a:alpha val="50000"/>
+      </a:schemeClr>
+    </dgm:fillClrLst>
+    <dgm:linClrLst meth="repeat">
+      <a:schemeClr val="lt1"/>
+    </dgm:linClrLst>
+    <dgm:effectClrLst/>
+    <dgm:txLinClrLst/>
+    <dgm:txFillClrLst/>
+    <dgm:txEffectClrLst/>
+  </dgm:styleLbl>
+  <dgm:styleLbl name="node2">
+    <dgm:fillClrLst>
+      <a:schemeClr val="accent4"/>
+    </dgm:fillClrLst>
+    <dgm:linClrLst meth="repeat">
+      <a:schemeClr val="lt1"/>
+    </dgm:linClrLst>
+    <dgm:effectClrLst/>
+    <dgm:txLinClrLst/>
+    <dgm:txFillClrLst/>
+    <dgm:txEffectClrLst/>
+  </dgm:styleLbl>
+  <dgm:styleLbl name="node3">
+    <dgm:fillClrLst>
+      <a:schemeClr val="accent5"/>
+    </dgm:fillClrLst>
+    <dgm:linClrLst meth="repeat">
+      <a:schemeClr val="lt1"/>
+    </dgm:linClrLst>
+    <dgm:effectClrLst/>
+    <dgm:txLinClrLst/>
+    <dgm:txFillClrLst/>
+    <dgm:txEffectClrLst/>
+  </dgm:styleLbl>
+  <dgm:styleLbl name="node4">
+    <dgm:fillClrLst>
+      <a:schemeClr val="accent6"/>
+    </dgm:fillClrLst>
+    <dgm:linClrLst meth="repeat">
+      <a:schemeClr val="lt1"/>
+    </dgm:linClrLst>
+    <dgm:effectClrLst/>
+    <dgm:txLinClrLst/>
+    <dgm:txFillClrLst/>
+    <dgm:txEffectClrLst/>
+  </dgm:styleLbl>
+  <dgm:styleLbl name="fgImgPlace1">
+    <dgm:fillClrLst>
+      <a:schemeClr val="accent3">
+        <a:tint val="50000"/>
+      </a:schemeClr>
+      <a:schemeClr val="accent4">
+        <a:tint val="50000"/>
+      </a:schemeClr>
+    </dgm:fillClrLst>
+    <dgm:linClrLst meth="repeat">
+      <a:schemeClr val="lt1"/>
+    </dgm:linClrLst>
+    <dgm:effectClrLst/>
+    <dgm:txLinClrLst/>
+    <dgm:txFillClrLst meth="repeat">
+      <a:schemeClr val="lt1"/>
+    </dgm:txFillClrLst>
+    <dgm:txEffectClrLst/>
+  </dgm:styleLbl>
+  <dgm:styleLbl name="alignImgPlace1">
+    <dgm:fillClrLst>
+      <a:schemeClr val="accent3">
+        <a:tint val="50000"/>
+      </a:schemeClr>
+      <a:schemeClr val="accent4">
+        <a:tint val="20000"/>
+      </a:schemeClr>
+    </dgm:fillClrLst>
+    <dgm:linClrLst meth="repeat">
+      <a:schemeClr val="lt1"/>
+    </dgm:linClrLst>
+    <dgm:effectClrLst/>
+    <dgm:txLinClrLst/>
+    <dgm:txFillClrLst meth="repeat">
+      <a:schemeClr val="lt1"/>
+    </dgm:txFillClrLst>
+    <dgm:txEffectClrLst/>
+  </dgm:styleLbl>
+  <dgm:styleLbl name="bgImgPlace1">
+    <dgm:fillClrLst>
+      <a:schemeClr val="accent3">
+        <a:tint val="50000"/>
+      </a:schemeClr>
+      <a:schemeClr val="accent4">
+        <a:tint val="20000"/>
+      </a:schemeClr>
+    </dgm:fillClrLst>
+    <dgm:linClrLst meth="repeat">
+      <a:schemeClr val="lt1"/>
+    </dgm:linClrLst>
+    <dgm:effectClrLst/>
+    <dgm:txLinClrLst/>
+    <dgm:txFillClrLst meth="repeat">
+      <a:schemeClr val="lt1"/>
+    </dgm:txFillClrLst>
+    <dgm:txEffectClrLst/>
+  </dgm:styleLbl>
+  <dgm:styleLbl name="sibTrans2D1">
+    <dgm:fillClrLst>
+      <a:schemeClr val="accent3"/>
+      <a:schemeClr val="accent4"/>
+    </dgm:fillClrLst>
+    <dgm:linClrLst meth="repeat">
+      <a:schemeClr val="lt1"/>
+    </dgm:linClrLst>
+    <dgm:effectClrLst/>
+    <dgm:txLinClrLst/>
+    <dgm:txFillClrLst/>
+    <dgm:txEffectClrLst/>
+  </dgm:styleLbl>
+  <dgm:styleLbl name="fgSibTrans2D1">
+    <dgm:fillClrLst>
+      <a:schemeClr val="accent3"/>
+      <a:schemeClr val="accent4"/>
+    </dgm:fillClrLst>
+    <dgm:linClrLst meth="repeat">
+      <a:schemeClr val="lt1"/>
+    </dgm:linClrLst>
+    <dgm:effectClrLst/>
+    <dgm:txLinClrLst/>
+    <dgm:txFillClrLst meth="repeat">
+      <a:schemeClr val="lt1"/>
+    </dgm:txFillClrLst>
+    <dgm:txEffectClrLst/>
+  </dgm:styleLbl>
+  <dgm:styleLbl name="bgSibTrans2D1">
+    <dgm:fillClrLst>
+      <a:schemeClr val="accent3"/>
+      <a:schemeClr val="accent4"/>
+    </dgm:fillClrLst>
+    <dgm:linClrLst meth="repeat">
+      <a:schemeClr val="lt1"/>
+    </dgm:linClrLst>
+    <dgm:effectClrLst/>
+    <dgm:txLinClrLst/>
+    <dgm:txFillClrLst meth="repeat">
+      <a:schemeClr val="lt1"/>
+    </dgm:txFillClrLst>
+    <dgm:txEffectClrLst/>
+  </dgm:styleLbl>
+  <dgm:styleLbl name="sibTrans1D1">
+    <dgm:fillClrLst/>
+    <dgm:linClrLst>
+      <a:schemeClr val="accent3"/>
+      <a:schemeClr val="accent4"/>
+    </dgm:linClrLst>
+    <dgm:effectClrLst/>
+    <dgm:txLinClrLst/>
+    <dgm:txFillClrLst meth="repeat">
+      <a:schemeClr val="tx1"/>
+    </dgm:txFillClrLst>
+    <dgm:txEffectClrLst/>
+  </dgm:styleLbl>
+  <dgm:styleLbl name="callout">
+    <dgm:fillClrLst meth="repeat">
+      <a:schemeClr val="accent3"/>
+    </dgm:fillClrLst>
+    <dgm:linClrLst meth="repeat">
+      <a:schemeClr val="accent3">
+        <a:tint val="50000"/>
+      </a:schemeClr>
+    </dgm:linClrLst>
+    <dgm:effectClrLst/>
+    <dgm:txLinClrLst/>
+    <dgm:txFillClrLst meth="repeat">
+      <a:schemeClr val="tx1"/>
+    </dgm:txFillClrLst>
+    <dgm:txEffectClrLst/>
+  </dgm:styleLbl>
+  <dgm:styleLbl name="asst0">
+    <dgm:fillClrLst meth="repeat">
+      <a:schemeClr val="accent3"/>
+    </dgm:fillClrLst>
+    <dgm:linClrLst meth="repeat">
+      <a:schemeClr val="lt1">
+        <a:shade val="80000"/>
+      </a:schemeClr>
+    </dgm:linClrLst>
+    <dgm:effectClrLst/>
+    <dgm:txLinClrLst/>
+    <dgm:txFillClrLst/>
+    <dgm:txEffectClrLst/>
+  </dgm:styleLbl>
+  <dgm:styleLbl name="asst1">
+    <dgm:fillClrLst meth="repeat">
+      <a:schemeClr val="accent4"/>
+    </dgm:fillClrLst>
+    <dgm:linClrLst meth="repeat">
+      <a:schemeClr val="lt1">
+        <a:shade val="80000"/>
+      </a:schemeClr>
+    </dgm:linClrLst>
+    <dgm:effectClrLst/>
+    <dgm:txLinClrLst/>
+    <dgm:txFillClrLst/>
+    <dgm:txEffectClrLst/>
+  </dgm:styleLbl>
+  <dgm:styleLbl name="asst2">
+    <dgm:fillClrLst>
+      <a:schemeClr val="accent5"/>
+    </dgm:fillClrLst>
+    <dgm:linClrLst meth="repeat">
+      <a:schemeClr val="lt1"/>
+    </dgm:linClrLst>
+    <dgm:effectClrLst/>
+    <dgm:txLinClrLst/>
+    <dgm:txFillClrLst/>
+    <dgm:txEffectClrLst/>
+  </dgm:styleLbl>
+  <dgm:styleLbl name="asst3">
+    <dgm:fillClrLst>
+      <a:schemeClr val="accent6"/>
+    </dgm:fillClrLst>
+    <dgm:linClrLst meth="repeat">
+      <a:schemeClr val="lt1"/>
+    </dgm:linClrLst>
+    <dgm:effectClrLst/>
+    <dgm:txLinClrLst/>
+    <dgm:txFillClrLst/>
+    <dgm:txEffectClrLst/>
+  </dgm:styleLbl>
+  <dgm:styleLbl name="asst4">
+    <dgm:fillClrLst>
+      <a:schemeClr val="accent1"/>
+    </dgm:fillClrLst>
+    <dgm:linClrLst meth="repeat">
+      <a:schemeClr val="lt1"/>
+    </dgm:linClrLst>
+    <dgm:effectClrLst/>
+    <dgm:txLinClrLst/>
+    <dgm:txFillClrLst/>
+    <dgm:txEffectClrLst/>
+  </dgm:styleLbl>
+  <dgm:styleLbl name="parChTrans2D1">
+    <dgm:fillClrLst meth="repeat">
+      <a:schemeClr val="accent2"/>
+    </dgm:fillClrLst>
+    <dgm:linClrLst meth="repeat">
+      <a:schemeClr val="lt1"/>
+    </dgm:linClrLst>
+    <dgm:effectClrLst/>
+    <dgm:txLinClrLst/>
+    <dgm:txFillClrLst meth="repeat">
+      <a:schemeClr val="lt1"/>
+    </dgm:txFillClrLst>
+    <dgm:txEffectClrLst/>
+  </dgm:styleLbl>
+  <dgm:styleLbl name="parChTrans2D2">
+    <dgm:fillClrLst meth="repeat">
+      <a:schemeClr val="accent3"/>
+    </dgm:fillClrLst>
+    <dgm:linClrLst meth="repeat">
+      <a:schemeClr val="lt1"/>
+    </dgm:linClrLst>
+    <dgm:effectClrLst/>
+    <dgm:txLinClrLst/>
+    <dgm:txFillClrLst/>
+    <dgm:txEffectClrLst/>
+  </dgm:styleLbl>
+  <dgm:styleLbl name="parChTrans2D3">
+    <dgm:fillClrLst meth="repeat">
+      <a:schemeClr val="accent4"/>
+    </dgm:fillClrLst>
+    <dgm:linClrLst meth="repeat">
+      <a:schemeClr val="lt1"/>
+    </dgm:linClrLst>
+    <dgm:effectClrLst/>
+    <dgm:txLinClrLst/>
+    <dgm:txFillClrLst/>
+    <dgm:txEffectClrLst/>
+  </dgm:styleLbl>
+  <dgm:styleLbl name="parChTrans2D4">
+    <dgm:fillClrLst meth="repeat">
+      <a:schemeClr val="accent5"/>
+    </dgm:fillClrLst>
+    <dgm:linClrLst meth="repeat">
+      <a:schemeClr val="lt1"/>
+    </dgm:linClrLst>
+    <dgm:effectClrLst/>
+    <dgm:txLinClrLst/>
+    <dgm:txFillClrLst meth="repeat">
+      <a:schemeClr val="lt1"/>
+    </dgm:txFillClrLst>
+    <dgm:txEffectClrLst/>
+  </dgm:styleLbl>
+  <dgm:styleLbl name="parChTrans1D1">
+    <dgm:fillClrLst meth="repeat">
+      <a:schemeClr val="accent3"/>
+    </dgm:fillClrLst>
+    <dgm:linClrLst meth="repeat">
+      <a:schemeClr val="accent3"/>
+    </dgm:linClrLst>
+    <dgm:effectClrLst/>
+    <dgm:txLinClrLst/>
+    <dgm:txFillClrLst meth="repeat">
+      <a:schemeClr val="tx1"/>
+    </dgm:txFillClrLst>
+    <dgm:txEffectClrLst/>
+  </dgm:styleLbl>
+  <dgm:styleLbl name="parChTrans1D2">
+    <dgm:fillClrLst meth="repeat">
+      <a:schemeClr val="accent2">
+        <a:tint val="90000"/>
+      </a:schemeClr>
+    </dgm:fillClrLst>
+    <dgm:linClrLst meth="repeat">
+      <a:schemeClr val="accent4"/>
+    </dgm:linClrLst>
+    <dgm:effectClrLst/>
+    <dgm:txLinClrLst/>
+    <dgm:txFillClrLst meth="repeat">
+      <a:schemeClr val="tx1"/>
+    </dgm:txFillClrLst>
+    <dgm:txEffectClrLst/>
+  </dgm:styleLbl>
+  <dgm:styleLbl name="parChTrans1D3">
+    <dgm:fillClrLst meth="repeat">
+      <a:schemeClr val="accent2">
+        <a:tint val="70000"/>
+      </a:schemeClr>
+    </dgm:fillClrLst>
+    <dgm:linClrLst meth="repeat">
+      <a:schemeClr val="accent5"/>
+    </dgm:linClrLst>
+    <dgm:effectClrLst/>
+    <dgm:txLinClrLst/>
+    <dgm:txFillClrLst meth="repeat">
+      <a:schemeClr val="tx1"/>
+    </dgm:txFillClrLst>
+    <dgm:txEffectClrLst/>
+  </dgm:styleLbl>
+  <dgm:styleLbl name="parChTrans1D4">
+    <dgm:fillClrLst meth="repeat">
+      <a:schemeClr val="accent6">
+        <a:tint val="50000"/>
+      </a:schemeClr>
+    </dgm:fillClrLst>
+    <dgm:linClrLst meth="repeat">
+      <a:schemeClr val="accent6"/>
+    </dgm:linClrLst>
+    <dgm:effectClrLst/>
+    <dgm:txLinClrLst/>
+    <dgm:txFillClrLst meth="repeat">
+      <a:schemeClr val="tx1"/>
+    </dgm:txFillClrLst>
+    <dgm:txEffectClrLst/>
+  </dgm:styleLbl>
+  <dgm:styleLbl name="fgAcc1">
+    <dgm:fillClrLst meth="repeat">
+      <a:schemeClr val="lt1">
+        <a:alpha val="90000"/>
+      </a:schemeClr>
+    </dgm:fillClrLst>
+    <dgm:linClrLst>
+      <a:schemeClr val="accent3"/>
+      <a:schemeClr val="accent4"/>
+    </dgm:linClrLst>
+    <dgm:effectClrLst/>
+    <dgm:txLinClrLst/>
+    <dgm:txFillClrLst meth="repeat">
+      <a:schemeClr val="dk1"/>
+    </dgm:txFillClrLst>
+    <dgm:txEffectClrLst/>
+  </dgm:styleLbl>
+  <dgm:styleLbl name="conFgAcc1">
+    <dgm:fillClrLst meth="repeat">
+      <a:schemeClr val="lt1">
+        <a:alpha val="90000"/>
+      </a:schemeClr>
+    </dgm:fillClrLst>
+    <dgm:linClrLst>
+      <a:schemeClr val="accent3"/>
+      <a:schemeClr val="accent4"/>
+    </dgm:linClrLst>
+    <dgm:effectClrLst/>
+    <dgm:txLinClrLst/>
+    <dgm:txFillClrLst meth="repeat">
+      <a:schemeClr val="dk1"/>
+    </dgm:txFillClrLst>
+    <dgm:txEffectClrLst/>
+  </dgm:styleLbl>
+  <dgm:styleLbl name="alignAcc1">
+    <dgm:fillClrLst meth="repeat">
+      <a:schemeClr val="lt1">
+        <a:alpha val="90000"/>
+      </a:schemeClr>
+    </dgm:fillClrLst>
+    <dgm:linClrLst>
+      <a:schemeClr val="accent3"/>
+      <a:schemeClr val="accent4"/>
+    </dgm:linClrLst>
+    <dgm:effectClrLst/>
+    <dgm:txLinClrLst/>
+    <dgm:txFillClrLst meth="repeat">
+      <a:schemeClr val="dk1"/>
+    </dgm:txFillClrLst>
+    <dgm:txEffectClrLst/>
+  </dgm:styleLbl>
+  <dgm:styleLbl name="trAlignAcc1">
+    <dgm:fillClrLst meth="repeat">
+      <a:schemeClr val="lt1">
+        <a:alpha val="40000"/>
+      </a:schemeClr>
+    </dgm:fillClrLst>
+    <dgm:linClrLst meth="repeat">
+      <a:schemeClr val="accent2"/>
+    </dgm:linClrLst>
+    <dgm:effectClrLst/>
+    <dgm:txLinClrLst/>
+    <dgm:txFillClrLst meth="repeat">
+      <a:schemeClr val="dk1"/>
+    </dgm:txFillClrLst>
+    <dgm:txEffectClrLst/>
+  </dgm:styleLbl>
+  <dgm:styleLbl name="bgAcc1">
+    <dgm:fillClrLst meth="repeat">
+      <a:schemeClr val="lt1">
+        <a:alpha val="90000"/>
+      </a:schemeClr>
+    </dgm:fillClrLst>
+    <dgm:linClrLst>
+      <a:schemeClr val="accent3"/>
+      <a:schemeClr val="accent4"/>
+    </dgm:linClrLst>
+    <dgm:effectClrLst/>
+    <dgm:txLinClrLst/>
+    <dgm:txFillClrLst meth="repeat">
+      <a:schemeClr val="dk1"/>
+    </dgm:txFillClrLst>
+    <dgm:txEffectClrLst/>
+  </dgm:styleLbl>
+  <dgm:styleLbl name="solidFgAcc1">
+    <dgm:fillClrLst meth="repeat">
+      <a:schemeClr val="lt1"/>
+    </dgm:fillClrLst>
+    <dgm:linClrLst>
+      <a:schemeClr val="accent3"/>
+      <a:schemeClr val="accent4"/>
+    </dgm:linClrLst>
+    <dgm:effectClrLst/>
+    <dgm:txLinClrLst/>
+    <dgm:txFillClrLst meth="repeat">
+      <a:schemeClr val="dk1"/>
+    </dgm:txFillClrLst>
+    <dgm:txEffectClrLst/>
+  </dgm:styleLbl>
+  <dgm:styleLbl name="solidAlignAcc1">
+    <dgm:fillClrLst meth="repeat">
+      <a:schemeClr val="lt1"/>
+    </dgm:fillClrLst>
+    <dgm:linClrLst>
+      <a:schemeClr val="accent3"/>
+      <a:schemeClr val="accent4"/>
+    </dgm:linClrLst>
+    <dgm:effectClrLst/>
+    <dgm:txLinClrLst/>
+    <dgm:txFillClrLst meth="repeat">
+      <a:schemeClr val="dk1"/>
+    </dgm:txFillClrLst>
+    <dgm:txEffectClrLst/>
+  </dgm:styleLbl>
+  <dgm:styleLbl name="solidBgAcc1">
+    <dgm:fillClrLst meth="repeat">
+      <a:schemeClr val="lt1"/>
+    </dgm:fillClrLst>
+    <dgm:linClrLst>
+      <a:schemeClr val="accent3"/>
+      <a:schemeClr val="accent4"/>
+    </dgm:linClrLst>
+    <dgm:effectClrLst/>
+    <dgm:txLinClrLst/>
+    <dgm:txFillClrLst meth="repeat">
+      <a:schemeClr val="dk1"/>
+    </dgm:txFillClrLst>
+    <dgm:txEffectClrLst/>
+  </dgm:styleLbl>
+  <dgm:styleLbl name="fgAccFollowNode1">
+    <dgm:fillClrLst>
+      <a:schemeClr val="accent3">
+        <a:tint val="40000"/>
+        <a:alpha val="90000"/>
+      </a:schemeClr>
+      <a:schemeClr val="accent4">
+        <a:tint val="40000"/>
+        <a:alpha val="90000"/>
+      </a:schemeClr>
+    </dgm:fillClrLst>
+    <dgm:linClrLst>
+      <a:schemeClr val="accent3">
+        <a:tint val="40000"/>
+        <a:alpha val="90000"/>
+      </a:schemeClr>
+      <a:schemeClr val="accent4">
+        <a:tint val="40000"/>
+        <a:alpha val="90000"/>
+      </a:schemeClr>
+    </dgm:linClrLst>
+    <dgm:effectClrLst/>
+    <dgm:txLinClrLst/>
+    <dgm:txFillClrLst meth="repeat">
+      <a:schemeClr val="dk1"/>
+    </dgm:txFillClrLst>
+    <dgm:txEffectClrLst/>
+  </dgm:styleLbl>
+  <dgm:styleLbl name="alignAccFollowNode1">
+    <dgm:fillClrLst>
+      <a:schemeClr val="accent3">
+        <a:tint val="40000"/>
+        <a:alpha val="90000"/>
+      </a:schemeClr>
+      <a:schemeClr val="accent4">
+        <a:tint val="40000"/>
+        <a:alpha val="90000"/>
+      </a:schemeClr>
+    </dgm:fillClrLst>
+    <dgm:linClrLst>
+      <a:schemeClr val="accent3">
+        <a:tint val="40000"/>
+        <a:alpha val="90000"/>
+      </a:schemeClr>
+      <a:schemeClr val="accent4">
+        <a:tint val="40000"/>
+        <a:alpha val="90000"/>
+      </a:schemeClr>
+    </dgm:linClrLst>
+    <dgm:effectClrLst/>
+    <dgm:txLinClrLst/>
+    <dgm:txFillClrLst meth="repeat">
+      <a:schemeClr val="dk1"/>
+    </dgm:txFillClrLst>
+    <dgm:txEffectClrLst/>
+  </dgm:styleLbl>
+  <dgm:styleLbl name="bgAccFollowNode1">
+    <dgm:fillClrLst>
+      <a:schemeClr val="accent3">
+        <a:tint val="40000"/>
+        <a:alpha val="90000"/>
+      </a:schemeClr>
+      <a:schemeClr val="accent4">
+        <a:tint val="40000"/>
+        <a:alpha val="90000"/>
+      </a:schemeClr>
+    </dgm:fillClrLst>
+    <dgm:linClrLst>
+      <a:schemeClr val="accent3">
+        <a:tint val="40000"/>
+        <a:alpha val="90000"/>
+      </a:schemeClr>
+      <a:schemeClr val="accent4">
+        <a:tint val="40000"/>
+        <a:alpha val="90000"/>
+      </a:schemeClr>
+    </dgm:linClrLst>
+    <dgm:effectClrLst/>
+    <dgm:txLinClrLst/>
+    <dgm:txFillClrLst meth="repeat">
+      <a:schemeClr val="dk1"/>
+    </dgm:txFillClrLst>
+    <dgm:txEffectClrLst/>
+  </dgm:styleLbl>
+  <dgm:styleLbl name="fgAcc0">
+    <dgm:fillClrLst meth="repeat">
+      <a:schemeClr val="lt1">
+        <a:alpha val="90000"/>
+      </a:schemeClr>
+    </dgm:fillClrLst>
+    <dgm:linClrLst>
+      <a:schemeClr val="accent2"/>
+    </dgm:linClrLst>
+    <dgm:effectClrLst/>
+    <dgm:txLinClrLst/>
+    <dgm:txFillClrLst meth="repeat">
+      <a:schemeClr val="dk1"/>
+    </dgm:txFillClrLst>
+    <dgm:txEffectClrLst/>
+  </dgm:styleLbl>
+  <dgm:styleLbl name="fgAcc2">
+    <dgm:fillClrLst meth="repeat">
+      <a:schemeClr val="lt1">
+        <a:alpha val="90000"/>
+      </a:schemeClr>
+    </dgm:fillClrLst>
+    <dgm:linClrLst>
+      <a:schemeClr val="accent4"/>
+    </dgm:linClrLst>
+    <dgm:effectClrLst/>
+    <dgm:txLinClrLst/>
+    <dgm:txFillClrLst meth="repeat">
+      <a:schemeClr val="dk1"/>
+    </dgm:txFillClrLst>
+    <dgm:txEffectClrLst/>
+  </dgm:styleLbl>
+  <dgm:styleLbl name="fgAcc3">
+    <dgm:fillClrLst meth="repeat">
+      <a:schemeClr val="lt1">
+        <a:alpha val="90000"/>
+      </a:schemeClr>
+    </dgm:fillClrLst>
+    <dgm:linClrLst>
+      <a:schemeClr val="accent5"/>
+    </dgm:linClrLst>
+    <dgm:effectClrLst/>
+    <dgm:txLinClrLst/>
+    <dgm:txFillClrLst meth="repeat">
+      <a:schemeClr val="dk1"/>
+    </dgm:txFillClrLst>
+    <dgm:txEffectClrLst/>
+  </dgm:styleLbl>
+  <dgm:styleLbl name="fgAcc4">
+    <dgm:fillClrLst meth="repeat">
+      <a:schemeClr val="lt1">
+        <a:alpha val="90000"/>
+      </a:schemeClr>
+    </dgm:fillClrLst>
+    <dgm:linClrLst>
+      <a:schemeClr val="accent6"/>
+    </dgm:linClrLst>
+    <dgm:effectClrLst/>
+    <dgm:txLinClrLst/>
+    <dgm:txFillClrLst meth="repeat">
+      <a:schemeClr val="dk1"/>
+    </dgm:txFillClrLst>
+    <dgm:txEffectClrLst/>
+  </dgm:styleLbl>
+  <dgm:styleLbl name="bgShp">
+    <dgm:fillClrLst meth="repeat">
+      <a:schemeClr val="accent3">
+        <a:tint val="40000"/>
+      </a:schemeClr>
+    </dgm:fillClrLst>
+    <dgm:linClrLst meth="repeat">
+      <a:schemeClr val="dk1"/>
+    </dgm:linClrLst>
+    <dgm:effectClrLst/>
+    <dgm:txLinClrLst/>
+    <dgm:txFillClrLst meth="repeat">
+      <a:schemeClr val="dk1"/>
+    </dgm:txFillClrLst>
+    <dgm:txEffectClrLst/>
+  </dgm:styleLbl>
+  <dgm:styleLbl name="dkBgShp">
+    <dgm:fillClrLst meth="repeat">
+      <a:schemeClr val="accent3">
+        <a:shade val="90000"/>
+      </a:schemeClr>
+    </dgm:fillClrLst>
+    <dgm:linClrLst meth="repeat">
+      <a:schemeClr val="dk1"/>
+    </dgm:linClrLst>
+    <dgm:effectClrLst/>
+    <dgm:txLinClrLst/>
+    <dgm:txFillClrLst meth="repeat">
+      <a:schemeClr val="lt1"/>
+    </dgm:txFillClrLst>
+    <dgm:txEffectClrLst/>
+  </dgm:styleLbl>
+  <dgm:styleLbl name="trBgShp">
+    <dgm:fillClrLst meth="repeat">
+      <a:schemeClr val="accent2">
+        <a:tint val="50000"/>
+        <a:alpha val="40000"/>
+      </a:schemeClr>
+    </dgm:fillClrLst>
+    <dgm:linClrLst meth="repeat">
+      <a:schemeClr val="accent3"/>
+    </dgm:linClrLst>
+    <dgm:effectClrLst/>
+    <dgm:txLinClrLst/>
+    <dgm:txFillClrLst meth="repeat">
+      <a:schemeClr val="lt1"/>
+    </dgm:txFillClrLst>
+    <dgm:txEffectClrLst/>
+  </dgm:styleLbl>
+  <dgm:styleLbl name="fgShp">
+    <dgm:fillClrLst meth="repeat">
+      <a:schemeClr val="accent3">
+        <a:tint val="40000"/>
+      </a:schemeClr>
+    </dgm:fillClrLst>
+    <dgm:linClrLst meth="repeat">
+      <a:schemeClr val="lt1"/>
+    </dgm:linClrLst>
+    <dgm:effectClrLst/>
+    <dgm:txLinClrLst/>
+    <dgm:txFillClrLst meth="repeat">
+      <a:schemeClr val="dk1"/>
+    </dgm:txFillClrLst>
+    <dgm:txEffectClrLst/>
+  </dgm:styleLbl>
+  <dgm:styleLbl name="revTx">
+    <dgm:fillClrLst meth="repeat">
+      <a:schemeClr val="lt1">
+        <a:alpha val="0"/>
+      </a:schemeClr>
+    </dgm:fillClrLst>
+    <dgm:linClrLst meth="repeat">
+      <a:schemeClr val="dk1">
+        <a:alpha val="0"/>
+      </a:schemeClr>
+    </dgm:linClrLst>
+    <dgm:effectClrLst/>
+    <dgm:txLinClrLst/>
+    <dgm:txFillClrLst meth="repeat">
+      <a:schemeClr val="tx1"/>
+    </dgm:txFillClrLst>
+    <dgm:txEffectClrLst/>
+  </dgm:styleLbl>
+</dgm:colorsDef>
+</file>
+
+<file path=ppt/diagrams/colors2.xml><?xml version="1.0" encoding="utf-8"?>
+<dgm:colorsDef xmlns:dgm="http://schemas.openxmlformats.org/drawingml/2006/diagram" xmlns:a="http://schemas.openxmlformats.org/drawingml/2006/main" uniqueId="urn:microsoft.com/office/officeart/2005/8/colors/colorful1">
   <dgm:title val=""/>
   <dgm:desc val=""/>
   <dgm:catLst>
@@ -287,7 +1085,7 @@
       <a:schemeClr val="accent1">
         <a:tint val="50000"/>
       </a:schemeClr>
-      <a:schemeClr val="accent1">
+      <a:schemeClr val="accent2">
         <a:tint val="20000"/>
       </a:schemeClr>
     </dgm:fillClrLst>
@@ -306,7 +1104,7 @@
       <a:schemeClr val="accent1">
         <a:tint val="50000"/>
       </a:schemeClr>
-      <a:schemeClr val="accent1">
+      <a:schemeClr val="accent2">
         <a:tint val="20000"/>
       </a:schemeClr>
     </dgm:fillClrLst>
@@ -1043,8 +1841,407 @@
 <file path=ppt/diagrams/data1.xml><?xml version="1.0" encoding="utf-8"?>
 <dgm:dataModel xmlns:dgm="http://schemas.openxmlformats.org/drawingml/2006/diagram" xmlns:a="http://schemas.openxmlformats.org/drawingml/2006/main">
   <dgm:ptLst>
+    <dgm:pt modelId="{E437E727-2F99-497E-8364-EA79CC538A0D}" type="doc">
+      <dgm:prSet loTypeId="urn:microsoft.com/office/officeart/2005/8/layout/radial4" loCatId="relationship" qsTypeId="urn:microsoft.com/office/officeart/2005/8/quickstyle/3d3" qsCatId="3D" csTypeId="urn:microsoft.com/office/officeart/2005/8/colors/colorful3" csCatId="colorful" phldr="1"/>
+      <dgm:spPr/>
+      <dgm:t>
+        <a:bodyPr/>
+        <a:lstStyle/>
+        <a:p>
+          <a:endParaRPr lang="zh-TW" altLang="en-US"/>
+        </a:p>
+      </dgm:t>
+    </dgm:pt>
+    <dgm:pt modelId="{DCDEF1A6-124D-4919-AD3A-ED01EF8A7F79}">
+      <dgm:prSet phldrT="[文字]" custT="1"/>
+      <dgm:spPr/>
+      <dgm:t>
+        <a:bodyPr/>
+        <a:lstStyle/>
+        <a:p>
+          <a:r>
+            <a:rPr lang="zh-TW" altLang="en-US" sz="2000" dirty="0" smtClean="0">
+              <a:latin typeface="+mj-ea"/>
+              <a:ea typeface="+mj-ea"/>
+            </a:rPr>
+            <a:t>高大首頁</a:t>
+          </a:r>
+          <a:endParaRPr lang="zh-TW" altLang="en-US" sz="2000" dirty="0">
+            <a:latin typeface="+mj-ea"/>
+            <a:ea typeface="+mj-ea"/>
+          </a:endParaRPr>
+        </a:p>
+      </dgm:t>
+    </dgm:pt>
+    <dgm:pt modelId="{E4CF7F2B-07FE-401F-A94F-445E3E1C25A3}" type="parTrans" cxnId="{D38EA327-F994-4556-8EA4-D65517E3701B}">
+      <dgm:prSet/>
+      <dgm:spPr/>
+      <dgm:t>
+        <a:bodyPr/>
+        <a:lstStyle/>
+        <a:p>
+          <a:endParaRPr lang="zh-TW" altLang="en-US"/>
+        </a:p>
+      </dgm:t>
+    </dgm:pt>
+    <dgm:pt modelId="{EA7E2D1C-5B4F-40CC-9811-62647F949D1F}" type="sibTrans" cxnId="{D38EA327-F994-4556-8EA4-D65517E3701B}">
+      <dgm:prSet/>
+      <dgm:spPr/>
+      <dgm:t>
+        <a:bodyPr/>
+        <a:lstStyle/>
+        <a:p>
+          <a:endParaRPr lang="zh-TW" altLang="en-US"/>
+        </a:p>
+      </dgm:t>
+    </dgm:pt>
+    <dgm:pt modelId="{CF1E998C-826B-4189-A130-3939BCDEBD6F}">
+      <dgm:prSet phldrT="[文字]" custT="1"/>
+      <dgm:spPr/>
+      <dgm:t>
+        <a:bodyPr/>
+        <a:lstStyle/>
+        <a:p>
+          <a:r>
+            <a:rPr lang="zh-TW" altLang="en-US" sz="2000" dirty="0" smtClean="0">
+              <a:latin typeface="+mj-ea"/>
+              <a:ea typeface="+mj-ea"/>
+            </a:rPr>
+            <a:t>新聞</a:t>
+          </a:r>
+          <a:endParaRPr lang="zh-TW" altLang="en-US" sz="2000" dirty="0">
+            <a:latin typeface="+mj-ea"/>
+            <a:ea typeface="+mj-ea"/>
+          </a:endParaRPr>
+        </a:p>
+      </dgm:t>
+    </dgm:pt>
+    <dgm:pt modelId="{39C89A12-7BA0-459A-919D-F4E21F478C0D}" type="parTrans" cxnId="{458C33CA-C42A-48FE-B47F-387B04502728}">
+      <dgm:prSet/>
+      <dgm:spPr/>
+      <dgm:t>
+        <a:bodyPr/>
+        <a:lstStyle/>
+        <a:p>
+          <a:endParaRPr lang="zh-TW" altLang="en-US"/>
+        </a:p>
+      </dgm:t>
+    </dgm:pt>
+    <dgm:pt modelId="{6DFC1A4A-FDD7-4783-AC31-E5D9F9762991}" type="sibTrans" cxnId="{458C33CA-C42A-48FE-B47F-387B04502728}">
+      <dgm:prSet/>
+      <dgm:spPr/>
+      <dgm:t>
+        <a:bodyPr/>
+        <a:lstStyle/>
+        <a:p>
+          <a:endParaRPr lang="zh-TW" altLang="en-US"/>
+        </a:p>
+      </dgm:t>
+    </dgm:pt>
+    <dgm:pt modelId="{81E038E9-7EE2-4809-8080-1A3189471225}">
+      <dgm:prSet phldrT="[文字]" custT="1"/>
+      <dgm:spPr/>
+      <dgm:t>
+        <a:bodyPr/>
+        <a:lstStyle/>
+        <a:p>
+          <a:r>
+            <a:rPr lang="zh-TW" altLang="en-US" sz="2000" dirty="0" smtClean="0">
+              <a:latin typeface="+mj-ea"/>
+              <a:ea typeface="+mj-ea"/>
+            </a:rPr>
+            <a:t>公告</a:t>
+          </a:r>
+          <a:endParaRPr lang="zh-TW" altLang="en-US" sz="2000" dirty="0">
+            <a:latin typeface="+mj-ea"/>
+            <a:ea typeface="+mj-ea"/>
+          </a:endParaRPr>
+        </a:p>
+      </dgm:t>
+    </dgm:pt>
+    <dgm:pt modelId="{2034395C-09D7-40EF-B7A9-BC3247226323}" type="parTrans" cxnId="{95043C36-A4F5-4161-AF47-FA91AFF2CA08}">
+      <dgm:prSet/>
+      <dgm:spPr/>
+      <dgm:t>
+        <a:bodyPr/>
+        <a:lstStyle/>
+        <a:p>
+          <a:endParaRPr lang="zh-TW" altLang="en-US"/>
+        </a:p>
+      </dgm:t>
+    </dgm:pt>
+    <dgm:pt modelId="{D73766B8-CAB6-4495-B576-C0C601A1BDFC}" type="sibTrans" cxnId="{95043C36-A4F5-4161-AF47-FA91AFF2CA08}">
+      <dgm:prSet/>
+      <dgm:spPr/>
+      <dgm:t>
+        <a:bodyPr/>
+        <a:lstStyle/>
+        <a:p>
+          <a:endParaRPr lang="zh-TW" altLang="en-US"/>
+        </a:p>
+      </dgm:t>
+    </dgm:pt>
+    <dgm:pt modelId="{E5AB45CB-9F96-4DE6-B61D-F6422CC9A530}">
+      <dgm:prSet phldrT="[文字]" custT="1"/>
+      <dgm:spPr/>
+      <dgm:t>
+        <a:bodyPr/>
+        <a:lstStyle/>
+        <a:p>
+          <a:r>
+            <a:rPr lang="zh-TW" altLang="en-US" sz="2000" dirty="0" smtClean="0">
+              <a:latin typeface="+mj-ea"/>
+              <a:ea typeface="+mj-ea"/>
+            </a:rPr>
+            <a:t>功能連結</a:t>
+          </a:r>
+          <a:endParaRPr lang="zh-TW" altLang="en-US" sz="2000" dirty="0">
+            <a:latin typeface="+mj-ea"/>
+            <a:ea typeface="+mj-ea"/>
+          </a:endParaRPr>
+        </a:p>
+      </dgm:t>
+    </dgm:pt>
+    <dgm:pt modelId="{B20F3B02-4001-4D37-A713-01EE2D4607C9}" type="parTrans" cxnId="{24B67510-1585-40C1-A6BB-6A6A0448D175}">
+      <dgm:prSet/>
+      <dgm:spPr/>
+      <dgm:t>
+        <a:bodyPr/>
+        <a:lstStyle/>
+        <a:p>
+          <a:endParaRPr lang="zh-TW" altLang="en-US"/>
+        </a:p>
+      </dgm:t>
+    </dgm:pt>
+    <dgm:pt modelId="{A3001D40-B3E9-41AB-ADE8-54EA2B50D747}" type="sibTrans" cxnId="{24B67510-1585-40C1-A6BB-6A6A0448D175}">
+      <dgm:prSet/>
+      <dgm:spPr/>
+      <dgm:t>
+        <a:bodyPr/>
+        <a:lstStyle/>
+        <a:p>
+          <a:endParaRPr lang="zh-TW" altLang="en-US"/>
+        </a:p>
+      </dgm:t>
+    </dgm:pt>
+    <dgm:pt modelId="{98672E18-3195-49F9-A8FB-3188432004BF}">
+      <dgm:prSet phldrT="[文字]" custT="1"/>
+      <dgm:spPr/>
+      <dgm:t>
+        <a:bodyPr/>
+        <a:lstStyle/>
+        <a:p>
+          <a:r>
+            <a:rPr lang="zh-TW" altLang="en-US" sz="2000" dirty="0" smtClean="0">
+              <a:latin typeface="+mj-ea"/>
+              <a:ea typeface="+mj-ea"/>
+            </a:rPr>
+            <a:t>訪眾入口</a:t>
+          </a:r>
+          <a:endParaRPr lang="zh-TW" altLang="en-US" sz="2000" dirty="0">
+            <a:latin typeface="+mj-ea"/>
+            <a:ea typeface="+mj-ea"/>
+          </a:endParaRPr>
+        </a:p>
+      </dgm:t>
+    </dgm:pt>
+    <dgm:pt modelId="{B684B5B1-DF99-411F-9BB8-A5B90FC01F5B}" type="parTrans" cxnId="{4CC1323A-64F4-4BE1-97C0-5FA0DD364E14}">
+      <dgm:prSet/>
+      <dgm:spPr/>
+      <dgm:t>
+        <a:bodyPr/>
+        <a:lstStyle/>
+        <a:p>
+          <a:endParaRPr lang="zh-TW" altLang="en-US"/>
+        </a:p>
+      </dgm:t>
+    </dgm:pt>
+    <dgm:pt modelId="{BE6D373C-C580-4580-A6D0-D12C644450B8}" type="sibTrans" cxnId="{4CC1323A-64F4-4BE1-97C0-5FA0DD364E14}">
+      <dgm:prSet/>
+      <dgm:spPr/>
+      <dgm:t>
+        <a:bodyPr/>
+        <a:lstStyle/>
+        <a:p>
+          <a:endParaRPr lang="zh-TW" altLang="en-US"/>
+        </a:p>
+      </dgm:t>
+    </dgm:pt>
+    <dgm:pt modelId="{F8F92C9A-2F88-4DE7-A205-8D94A4E1C60E}" type="pres">
+      <dgm:prSet presAssocID="{E437E727-2F99-497E-8364-EA79CC538A0D}" presName="cycle" presStyleCnt="0">
+        <dgm:presLayoutVars>
+          <dgm:chMax val="1"/>
+          <dgm:dir/>
+          <dgm:animLvl val="ctr"/>
+          <dgm:resizeHandles val="exact"/>
+        </dgm:presLayoutVars>
+      </dgm:prSet>
+      <dgm:spPr/>
+      <dgm:t>
+        <a:bodyPr/>
+        <a:lstStyle/>
+        <a:p>
+          <a:endParaRPr lang="zh-TW" altLang="en-US"/>
+        </a:p>
+      </dgm:t>
+    </dgm:pt>
+    <dgm:pt modelId="{F2E4C086-F367-4975-BF23-4A767B0306D0}" type="pres">
+      <dgm:prSet presAssocID="{DCDEF1A6-124D-4919-AD3A-ED01EF8A7F79}" presName="centerShape" presStyleLbl="node0" presStyleIdx="0" presStyleCnt="1"/>
+      <dgm:spPr/>
+      <dgm:t>
+        <a:bodyPr/>
+        <a:lstStyle/>
+        <a:p>
+          <a:endParaRPr lang="zh-TW" altLang="en-US"/>
+        </a:p>
+      </dgm:t>
+    </dgm:pt>
+    <dgm:pt modelId="{71892D79-E489-46E0-A395-89FEA239CA3D}" type="pres">
+      <dgm:prSet presAssocID="{39C89A12-7BA0-459A-919D-F4E21F478C0D}" presName="parTrans" presStyleLbl="bgSibTrans2D1" presStyleIdx="0" presStyleCnt="4"/>
+      <dgm:spPr/>
+      <dgm:t>
+        <a:bodyPr/>
+        <a:lstStyle/>
+        <a:p>
+          <a:endParaRPr lang="zh-TW" altLang="en-US"/>
+        </a:p>
+      </dgm:t>
+    </dgm:pt>
+    <dgm:pt modelId="{1493E68E-DDF1-4E3D-B040-324C068F93A7}" type="pres">
+      <dgm:prSet presAssocID="{CF1E998C-826B-4189-A130-3939BCDEBD6F}" presName="node" presStyleLbl="node1" presStyleIdx="0" presStyleCnt="4">
+        <dgm:presLayoutVars>
+          <dgm:bulletEnabled val="1"/>
+        </dgm:presLayoutVars>
+      </dgm:prSet>
+      <dgm:spPr/>
+      <dgm:t>
+        <a:bodyPr/>
+        <a:lstStyle/>
+        <a:p>
+          <a:endParaRPr lang="zh-TW" altLang="en-US"/>
+        </a:p>
+      </dgm:t>
+    </dgm:pt>
+    <dgm:pt modelId="{112FEC19-67EF-4171-96CA-ADF303EF9CA8}" type="pres">
+      <dgm:prSet presAssocID="{2034395C-09D7-40EF-B7A9-BC3247226323}" presName="parTrans" presStyleLbl="bgSibTrans2D1" presStyleIdx="1" presStyleCnt="4"/>
+      <dgm:spPr/>
+      <dgm:t>
+        <a:bodyPr/>
+        <a:lstStyle/>
+        <a:p>
+          <a:endParaRPr lang="zh-TW" altLang="en-US"/>
+        </a:p>
+      </dgm:t>
+    </dgm:pt>
+    <dgm:pt modelId="{F5291A32-F48E-4FBC-BD5D-261BD58DC8AB}" type="pres">
+      <dgm:prSet presAssocID="{81E038E9-7EE2-4809-8080-1A3189471225}" presName="node" presStyleLbl="node1" presStyleIdx="1" presStyleCnt="4">
+        <dgm:presLayoutVars>
+          <dgm:bulletEnabled val="1"/>
+        </dgm:presLayoutVars>
+      </dgm:prSet>
+      <dgm:spPr/>
+      <dgm:t>
+        <a:bodyPr/>
+        <a:lstStyle/>
+        <a:p>
+          <a:endParaRPr lang="zh-TW" altLang="en-US"/>
+        </a:p>
+      </dgm:t>
+    </dgm:pt>
+    <dgm:pt modelId="{50380B95-43CA-4DE6-B725-ACF8ECF0C55A}" type="pres">
+      <dgm:prSet presAssocID="{B20F3B02-4001-4D37-A713-01EE2D4607C9}" presName="parTrans" presStyleLbl="bgSibTrans2D1" presStyleIdx="2" presStyleCnt="4"/>
+      <dgm:spPr/>
+      <dgm:t>
+        <a:bodyPr/>
+        <a:lstStyle/>
+        <a:p>
+          <a:endParaRPr lang="zh-TW" altLang="en-US"/>
+        </a:p>
+      </dgm:t>
+    </dgm:pt>
+    <dgm:pt modelId="{6370BE3B-8752-4105-8660-BA0EF51D0975}" type="pres">
+      <dgm:prSet presAssocID="{E5AB45CB-9F96-4DE6-B61D-F6422CC9A530}" presName="node" presStyleLbl="node1" presStyleIdx="2" presStyleCnt="4">
+        <dgm:presLayoutVars>
+          <dgm:bulletEnabled val="1"/>
+        </dgm:presLayoutVars>
+      </dgm:prSet>
+      <dgm:spPr/>
+      <dgm:t>
+        <a:bodyPr/>
+        <a:lstStyle/>
+        <a:p>
+          <a:endParaRPr lang="zh-TW" altLang="en-US"/>
+        </a:p>
+      </dgm:t>
+    </dgm:pt>
+    <dgm:pt modelId="{13E017C1-2D92-48EB-BE44-962A41244520}" type="pres">
+      <dgm:prSet presAssocID="{B684B5B1-DF99-411F-9BB8-A5B90FC01F5B}" presName="parTrans" presStyleLbl="bgSibTrans2D1" presStyleIdx="3" presStyleCnt="4"/>
+      <dgm:spPr/>
+      <dgm:t>
+        <a:bodyPr/>
+        <a:lstStyle/>
+        <a:p>
+          <a:endParaRPr lang="zh-TW" altLang="en-US"/>
+        </a:p>
+      </dgm:t>
+    </dgm:pt>
+    <dgm:pt modelId="{4128BE2A-8E1C-493D-A171-534C9127DDFD}" type="pres">
+      <dgm:prSet presAssocID="{98672E18-3195-49F9-A8FB-3188432004BF}" presName="node" presStyleLbl="node1" presStyleIdx="3" presStyleCnt="4">
+        <dgm:presLayoutVars>
+          <dgm:bulletEnabled val="1"/>
+        </dgm:presLayoutVars>
+      </dgm:prSet>
+      <dgm:spPr/>
+      <dgm:t>
+        <a:bodyPr/>
+        <a:lstStyle/>
+        <a:p>
+          <a:endParaRPr lang="zh-TW" altLang="en-US"/>
+        </a:p>
+      </dgm:t>
+    </dgm:pt>
+  </dgm:ptLst>
+  <dgm:cxnLst>
+    <dgm:cxn modelId="{02498A4A-1CA5-4103-8A00-351747B4C2FB}" type="presOf" srcId="{B20F3B02-4001-4D37-A713-01EE2D4607C9}" destId="{50380B95-43CA-4DE6-B725-ACF8ECF0C55A}" srcOrd="0" destOrd="0" presId="urn:microsoft.com/office/officeart/2005/8/layout/radial4"/>
+    <dgm:cxn modelId="{DD190479-655B-4EA7-9F3D-84282F8BEAB4}" type="presOf" srcId="{39C89A12-7BA0-459A-919D-F4E21F478C0D}" destId="{71892D79-E489-46E0-A395-89FEA239CA3D}" srcOrd="0" destOrd="0" presId="urn:microsoft.com/office/officeart/2005/8/layout/radial4"/>
+    <dgm:cxn modelId="{458C33CA-C42A-48FE-B47F-387B04502728}" srcId="{DCDEF1A6-124D-4919-AD3A-ED01EF8A7F79}" destId="{CF1E998C-826B-4189-A130-3939BCDEBD6F}" srcOrd="0" destOrd="0" parTransId="{39C89A12-7BA0-459A-919D-F4E21F478C0D}" sibTransId="{6DFC1A4A-FDD7-4783-AC31-E5D9F9762991}"/>
+    <dgm:cxn modelId="{4CC1323A-64F4-4BE1-97C0-5FA0DD364E14}" srcId="{DCDEF1A6-124D-4919-AD3A-ED01EF8A7F79}" destId="{98672E18-3195-49F9-A8FB-3188432004BF}" srcOrd="3" destOrd="0" parTransId="{B684B5B1-DF99-411F-9BB8-A5B90FC01F5B}" sibTransId="{BE6D373C-C580-4580-A6D0-D12C644450B8}"/>
+    <dgm:cxn modelId="{D7D1FFB5-F79A-49FF-AB05-9730BBBE5760}" type="presOf" srcId="{2034395C-09D7-40EF-B7A9-BC3247226323}" destId="{112FEC19-67EF-4171-96CA-ADF303EF9CA8}" srcOrd="0" destOrd="0" presId="urn:microsoft.com/office/officeart/2005/8/layout/radial4"/>
+    <dgm:cxn modelId="{BB5C776B-B8FF-4BFE-AA9C-1ECC6D1D48F1}" type="presOf" srcId="{CF1E998C-826B-4189-A130-3939BCDEBD6F}" destId="{1493E68E-DDF1-4E3D-B040-324C068F93A7}" srcOrd="0" destOrd="0" presId="urn:microsoft.com/office/officeart/2005/8/layout/radial4"/>
+    <dgm:cxn modelId="{49BE8910-C3E7-4732-BEE6-D5E069AEC120}" type="presOf" srcId="{E437E727-2F99-497E-8364-EA79CC538A0D}" destId="{F8F92C9A-2F88-4DE7-A205-8D94A4E1C60E}" srcOrd="0" destOrd="0" presId="urn:microsoft.com/office/officeart/2005/8/layout/radial4"/>
+    <dgm:cxn modelId="{7C1C445A-4A7F-4C95-BF09-83CCF124DFE3}" type="presOf" srcId="{98672E18-3195-49F9-A8FB-3188432004BF}" destId="{4128BE2A-8E1C-493D-A171-534C9127DDFD}" srcOrd="0" destOrd="0" presId="urn:microsoft.com/office/officeart/2005/8/layout/radial4"/>
+    <dgm:cxn modelId="{24B67510-1585-40C1-A6BB-6A6A0448D175}" srcId="{DCDEF1A6-124D-4919-AD3A-ED01EF8A7F79}" destId="{E5AB45CB-9F96-4DE6-B61D-F6422CC9A530}" srcOrd="2" destOrd="0" parTransId="{B20F3B02-4001-4D37-A713-01EE2D4607C9}" sibTransId="{A3001D40-B3E9-41AB-ADE8-54EA2B50D747}"/>
+    <dgm:cxn modelId="{95043C36-A4F5-4161-AF47-FA91AFF2CA08}" srcId="{DCDEF1A6-124D-4919-AD3A-ED01EF8A7F79}" destId="{81E038E9-7EE2-4809-8080-1A3189471225}" srcOrd="1" destOrd="0" parTransId="{2034395C-09D7-40EF-B7A9-BC3247226323}" sibTransId="{D73766B8-CAB6-4495-B576-C0C601A1BDFC}"/>
+    <dgm:cxn modelId="{DDBA0881-D4AE-4874-B958-8CFDBC5EB30C}" type="presOf" srcId="{DCDEF1A6-124D-4919-AD3A-ED01EF8A7F79}" destId="{F2E4C086-F367-4975-BF23-4A767B0306D0}" srcOrd="0" destOrd="0" presId="urn:microsoft.com/office/officeart/2005/8/layout/radial4"/>
+    <dgm:cxn modelId="{AFD2B763-4ACB-444B-ABB0-6A505D4BB2FD}" type="presOf" srcId="{E5AB45CB-9F96-4DE6-B61D-F6422CC9A530}" destId="{6370BE3B-8752-4105-8660-BA0EF51D0975}" srcOrd="0" destOrd="0" presId="urn:microsoft.com/office/officeart/2005/8/layout/radial4"/>
+    <dgm:cxn modelId="{2EC216FA-836C-43E6-9065-BE53806DD723}" type="presOf" srcId="{81E038E9-7EE2-4809-8080-1A3189471225}" destId="{F5291A32-F48E-4FBC-BD5D-261BD58DC8AB}" srcOrd="0" destOrd="0" presId="urn:microsoft.com/office/officeart/2005/8/layout/radial4"/>
+    <dgm:cxn modelId="{C196852A-BDFF-4590-8CA3-852E38F1F005}" type="presOf" srcId="{B684B5B1-DF99-411F-9BB8-A5B90FC01F5B}" destId="{13E017C1-2D92-48EB-BE44-962A41244520}" srcOrd="0" destOrd="0" presId="urn:microsoft.com/office/officeart/2005/8/layout/radial4"/>
+    <dgm:cxn modelId="{D38EA327-F994-4556-8EA4-D65517E3701B}" srcId="{E437E727-2F99-497E-8364-EA79CC538A0D}" destId="{DCDEF1A6-124D-4919-AD3A-ED01EF8A7F79}" srcOrd="0" destOrd="0" parTransId="{E4CF7F2B-07FE-401F-A94F-445E3E1C25A3}" sibTransId="{EA7E2D1C-5B4F-40CC-9811-62647F949D1F}"/>
+    <dgm:cxn modelId="{771DC703-4535-4C1E-A067-D8BDCDCB0979}" type="presParOf" srcId="{F8F92C9A-2F88-4DE7-A205-8D94A4E1C60E}" destId="{F2E4C086-F367-4975-BF23-4A767B0306D0}" srcOrd="0" destOrd="0" presId="urn:microsoft.com/office/officeart/2005/8/layout/radial4"/>
+    <dgm:cxn modelId="{7C660EAF-BAD8-4B12-B26E-3EF797877ED5}" type="presParOf" srcId="{F8F92C9A-2F88-4DE7-A205-8D94A4E1C60E}" destId="{71892D79-E489-46E0-A395-89FEA239CA3D}" srcOrd="1" destOrd="0" presId="urn:microsoft.com/office/officeart/2005/8/layout/radial4"/>
+    <dgm:cxn modelId="{0AD742C1-DF77-4AE0-B182-87D6457BD4B2}" type="presParOf" srcId="{F8F92C9A-2F88-4DE7-A205-8D94A4E1C60E}" destId="{1493E68E-DDF1-4E3D-B040-324C068F93A7}" srcOrd="2" destOrd="0" presId="urn:microsoft.com/office/officeart/2005/8/layout/radial4"/>
+    <dgm:cxn modelId="{40605322-AC73-4B8B-8B27-413F22CB699D}" type="presParOf" srcId="{F8F92C9A-2F88-4DE7-A205-8D94A4E1C60E}" destId="{112FEC19-67EF-4171-96CA-ADF303EF9CA8}" srcOrd="3" destOrd="0" presId="urn:microsoft.com/office/officeart/2005/8/layout/radial4"/>
+    <dgm:cxn modelId="{526F39A2-B45A-48AA-95B9-8C68F6947CF3}" type="presParOf" srcId="{F8F92C9A-2F88-4DE7-A205-8D94A4E1C60E}" destId="{F5291A32-F48E-4FBC-BD5D-261BD58DC8AB}" srcOrd="4" destOrd="0" presId="urn:microsoft.com/office/officeart/2005/8/layout/radial4"/>
+    <dgm:cxn modelId="{C81A1F3F-2F8F-466B-8BDD-9479984DF857}" type="presParOf" srcId="{F8F92C9A-2F88-4DE7-A205-8D94A4E1C60E}" destId="{50380B95-43CA-4DE6-B725-ACF8ECF0C55A}" srcOrd="5" destOrd="0" presId="urn:microsoft.com/office/officeart/2005/8/layout/radial4"/>
+    <dgm:cxn modelId="{A58502F7-F90A-4D7C-9462-3A1E9D20E588}" type="presParOf" srcId="{F8F92C9A-2F88-4DE7-A205-8D94A4E1C60E}" destId="{6370BE3B-8752-4105-8660-BA0EF51D0975}" srcOrd="6" destOrd="0" presId="urn:microsoft.com/office/officeart/2005/8/layout/radial4"/>
+    <dgm:cxn modelId="{B6361F76-6D5F-4D10-B73F-E71166DB2800}" type="presParOf" srcId="{F8F92C9A-2F88-4DE7-A205-8D94A4E1C60E}" destId="{13E017C1-2D92-48EB-BE44-962A41244520}" srcOrd="7" destOrd="0" presId="urn:microsoft.com/office/officeart/2005/8/layout/radial4"/>
+    <dgm:cxn modelId="{5F3CC69A-5D9E-4732-925E-9C33DC3D6AEB}" type="presParOf" srcId="{F8F92C9A-2F88-4DE7-A205-8D94A4E1C60E}" destId="{4128BE2A-8E1C-493D-A171-534C9127DDFD}" srcOrd="8" destOrd="0" presId="urn:microsoft.com/office/officeart/2005/8/layout/radial4"/>
+  </dgm:cxnLst>
+  <dgm:bg/>
+  <dgm:whole/>
+  <dgm:extLst>
+    <a:ext uri="http://schemas.microsoft.com/office/drawing/2008/diagram">
+      <dsp:dataModelExt xmlns:dsp="http://schemas.microsoft.com/office/drawing/2008/diagram" relId="rId6" minVer="http://schemas.openxmlformats.org/drawingml/2006/diagram"/>
+    </a:ext>
+  </dgm:extLst>
+</dgm:dataModel>
+</file>
+
+<file path=ppt/diagrams/data2.xml><?xml version="1.0" encoding="utf-8"?>
+<dgm:dataModel xmlns:dgm="http://schemas.openxmlformats.org/drawingml/2006/diagram" xmlns:a="http://schemas.openxmlformats.org/drawingml/2006/main">
+  <dgm:ptLst>
     <dgm:pt modelId="{83E81C63-E024-4C4E-9FF4-EB3E5E4C819B}" type="doc">
-      <dgm:prSet loTypeId="urn:microsoft.com/office/officeart/2005/8/layout/hierarchy1" loCatId="hierarchy" qsTypeId="urn:microsoft.com/office/officeart/2005/8/quickstyle/3d3" qsCatId="3D" csTypeId="urn:microsoft.com/office/officeart/2005/8/colors/colorful1#1" csCatId="colorful" phldr="1"/>
+      <dgm:prSet loTypeId="urn:microsoft.com/office/officeart/2005/8/layout/hierarchy1" loCatId="hierarchy" qsTypeId="urn:microsoft.com/office/officeart/2005/8/quickstyle/3d3" qsCatId="3D" csTypeId="urn:microsoft.com/office/officeart/2005/8/colors/colorful1" csCatId="colorful" phldr="1"/>
       <dgm:spPr/>
       <dgm:t>
         <a:bodyPr/>
@@ -1062,10 +2259,16 @@
         <a:lstStyle/>
         <a:p>
           <a:r>
-            <a:rPr lang="zh-TW" altLang="en-US" sz="1200" dirty="0" smtClean="0"/>
+            <a:rPr lang="zh-TW" altLang="en-US" sz="1200" dirty="0" smtClean="0">
+              <a:latin typeface="+mj-ea"/>
+              <a:ea typeface="+mj-ea"/>
+            </a:rPr>
             <a:t>認識高大</a:t>
           </a:r>
-          <a:endParaRPr lang="zh-TW" altLang="en-US" sz="1200" dirty="0"/>
+          <a:endParaRPr lang="zh-TW" altLang="en-US" sz="1200" dirty="0">
+            <a:latin typeface="+mj-ea"/>
+            <a:ea typeface="+mj-ea"/>
+          </a:endParaRPr>
         </a:p>
       </dgm:t>
     </dgm:pt>
@@ -1099,10 +2302,16 @@
         <a:lstStyle/>
         <a:p>
           <a:r>
-            <a:rPr lang="zh-TW" altLang="en-US" sz="1200" dirty="0" smtClean="0"/>
+            <a:rPr lang="zh-TW" altLang="en-US" sz="1200" dirty="0" smtClean="0">
+              <a:latin typeface="+mj-ea"/>
+              <a:ea typeface="+mj-ea"/>
+            </a:rPr>
             <a:t>行政單位</a:t>
           </a:r>
-          <a:endParaRPr lang="zh-TW" altLang="en-US" sz="1200" dirty="0"/>
+          <a:endParaRPr lang="zh-TW" altLang="en-US" sz="1200" dirty="0">
+            <a:latin typeface="+mj-ea"/>
+            <a:ea typeface="+mj-ea"/>
+          </a:endParaRPr>
         </a:p>
       </dgm:t>
     </dgm:pt>
@@ -1136,10 +2345,16 @@
         <a:lstStyle/>
         <a:p>
           <a:r>
-            <a:rPr lang="zh-TW" altLang="en-US" sz="1200" dirty="0" smtClean="0"/>
+            <a:rPr lang="zh-TW" altLang="en-US" sz="1200" dirty="0" smtClean="0">
+              <a:latin typeface="+mj-ea"/>
+              <a:ea typeface="+mj-ea"/>
+            </a:rPr>
             <a:t>高雄大學</a:t>
           </a:r>
-          <a:endParaRPr lang="zh-TW" altLang="en-US" sz="1200" dirty="0"/>
+          <a:endParaRPr lang="zh-TW" altLang="en-US" sz="1200" dirty="0">
+            <a:latin typeface="+mj-ea"/>
+            <a:ea typeface="+mj-ea"/>
+          </a:endParaRPr>
         </a:p>
       </dgm:t>
     </dgm:pt>
@@ -1173,10 +2388,16 @@
         <a:lstStyle/>
         <a:p>
           <a:r>
-            <a:rPr lang="zh-TW" altLang="en-US" sz="1200" dirty="0" smtClean="0"/>
+            <a:rPr lang="zh-TW" altLang="en-US" sz="1200" dirty="0" smtClean="0">
+              <a:latin typeface="+mj-ea"/>
+              <a:ea typeface="+mj-ea"/>
+            </a:rPr>
             <a:t>研究中心</a:t>
           </a:r>
-          <a:endParaRPr lang="en-US" altLang="zh-TW" sz="1200" dirty="0" smtClean="0"/>
+          <a:endParaRPr lang="en-US" altLang="zh-TW" sz="1200" dirty="0" smtClean="0">
+            <a:latin typeface="+mj-ea"/>
+            <a:ea typeface="+mj-ea"/>
+          </a:endParaRPr>
         </a:p>
       </dgm:t>
     </dgm:pt>
@@ -1210,10 +2431,16 @@
         <a:lstStyle/>
         <a:p>
           <a:r>
-            <a:rPr lang="zh-TW" altLang="en-US" sz="1200" dirty="0" smtClean="0"/>
+            <a:rPr lang="zh-TW" altLang="en-US" sz="1200" dirty="0" smtClean="0">
+              <a:latin typeface="+mj-ea"/>
+              <a:ea typeface="+mj-ea"/>
+            </a:rPr>
             <a:t>招生資訊</a:t>
           </a:r>
-          <a:endParaRPr lang="en-US" altLang="zh-TW" sz="1200" dirty="0" smtClean="0"/>
+          <a:endParaRPr lang="en-US" altLang="zh-TW" sz="1200" dirty="0" smtClean="0">
+            <a:latin typeface="+mj-ea"/>
+            <a:ea typeface="+mj-ea"/>
+          </a:endParaRPr>
         </a:p>
       </dgm:t>
     </dgm:pt>
@@ -1247,10 +2474,16 @@
         <a:lstStyle/>
         <a:p>
           <a:r>
-            <a:rPr lang="zh-TW" altLang="en-US" sz="1200" dirty="0" smtClean="0"/>
+            <a:rPr lang="zh-TW" altLang="en-US" sz="1200" dirty="0" smtClean="0">
+              <a:latin typeface="+mj-ea"/>
+              <a:ea typeface="+mj-ea"/>
+            </a:rPr>
             <a:t>常見問答</a:t>
           </a:r>
-          <a:endParaRPr lang="en-US" altLang="zh-TW" sz="1200" dirty="0" smtClean="0"/>
+          <a:endParaRPr lang="en-US" altLang="zh-TW" sz="1200" dirty="0" smtClean="0">
+            <a:latin typeface="+mj-ea"/>
+            <a:ea typeface="+mj-ea"/>
+          </a:endParaRPr>
         </a:p>
       </dgm:t>
     </dgm:pt>
@@ -1284,10 +2517,16 @@
         <a:lstStyle/>
         <a:p>
           <a:r>
-            <a:rPr lang="zh-TW" altLang="en-US" sz="1200" dirty="0" smtClean="0"/>
+            <a:rPr lang="zh-TW" altLang="en-US" sz="1200" dirty="0" smtClean="0">
+              <a:latin typeface="+mj-ea"/>
+              <a:ea typeface="+mj-ea"/>
+            </a:rPr>
             <a:t>常用連結</a:t>
           </a:r>
-          <a:endParaRPr lang="en-US" altLang="zh-TW" sz="1200" dirty="0" smtClean="0"/>
+          <a:endParaRPr lang="en-US" altLang="zh-TW" sz="1200" dirty="0" smtClean="0">
+            <a:latin typeface="+mj-ea"/>
+            <a:ea typeface="+mj-ea"/>
+          </a:endParaRPr>
         </a:p>
       </dgm:t>
     </dgm:pt>
@@ -1321,10 +2560,16 @@
         <a:lstStyle/>
         <a:p>
           <a:r>
-            <a:rPr lang="zh-TW" altLang="en-US" sz="1200" dirty="0" smtClean="0"/>
+            <a:rPr lang="zh-TW" altLang="en-US" sz="1200" dirty="0" smtClean="0">
+              <a:latin typeface="+mj-ea"/>
+              <a:ea typeface="+mj-ea"/>
+            </a:rPr>
             <a:t>新聞</a:t>
           </a:r>
-          <a:endParaRPr lang="en-US" altLang="zh-TW" sz="1200" dirty="0" smtClean="0"/>
+          <a:endParaRPr lang="en-US" altLang="zh-TW" sz="1200" dirty="0" smtClean="0">
+            <a:latin typeface="+mj-ea"/>
+            <a:ea typeface="+mj-ea"/>
+          </a:endParaRPr>
         </a:p>
       </dgm:t>
     </dgm:pt>
@@ -1358,10 +2603,16 @@
         <a:lstStyle/>
         <a:p>
           <a:r>
-            <a:rPr lang="zh-TW" altLang="en-US" sz="1200" dirty="0" smtClean="0"/>
+            <a:rPr lang="zh-TW" altLang="en-US" sz="1200" dirty="0" smtClean="0">
+              <a:latin typeface="+mj-ea"/>
+              <a:ea typeface="+mj-ea"/>
+            </a:rPr>
             <a:t>公告訊息</a:t>
           </a:r>
-          <a:endParaRPr lang="en-US" altLang="zh-TW" sz="1200" dirty="0" smtClean="0"/>
+          <a:endParaRPr lang="en-US" altLang="zh-TW" sz="1200" dirty="0" smtClean="0">
+            <a:latin typeface="+mj-ea"/>
+            <a:ea typeface="+mj-ea"/>
+          </a:endParaRPr>
         </a:p>
       </dgm:t>
     </dgm:pt>
@@ -1395,10 +2646,16 @@
         <a:lstStyle/>
         <a:p>
           <a:r>
-            <a:rPr lang="zh-TW" altLang="en-US" sz="1200" dirty="0" smtClean="0"/>
+            <a:rPr lang="zh-TW" altLang="en-US" sz="1200" dirty="0" smtClean="0">
+              <a:latin typeface="+mj-ea"/>
+              <a:ea typeface="+mj-ea"/>
+            </a:rPr>
             <a:t>語文中心</a:t>
           </a:r>
-          <a:endParaRPr lang="en-US" altLang="zh-TW" sz="1200" dirty="0" smtClean="0"/>
+          <a:endParaRPr lang="en-US" altLang="zh-TW" sz="1200" dirty="0" smtClean="0">
+            <a:latin typeface="+mj-ea"/>
+            <a:ea typeface="+mj-ea"/>
+          </a:endParaRPr>
         </a:p>
       </dgm:t>
     </dgm:pt>
@@ -1432,10 +2689,16 @@
         <a:lstStyle/>
         <a:p>
           <a:r>
-            <a:rPr lang="zh-TW" altLang="en-US" sz="1200" dirty="0" smtClean="0"/>
+            <a:rPr lang="zh-TW" altLang="en-US" sz="1200" dirty="0" smtClean="0">
+              <a:latin typeface="+mj-ea"/>
+              <a:ea typeface="+mj-ea"/>
+            </a:rPr>
             <a:t>培育中心</a:t>
           </a:r>
-          <a:endParaRPr lang="en-US" altLang="zh-TW" sz="1200" dirty="0" smtClean="0"/>
+          <a:endParaRPr lang="en-US" altLang="zh-TW" sz="1200" dirty="0" smtClean="0">
+            <a:latin typeface="+mj-ea"/>
+            <a:ea typeface="+mj-ea"/>
+          </a:endParaRPr>
         </a:p>
       </dgm:t>
     </dgm:pt>
@@ -1447,10 +2710,16 @@
         <a:lstStyle/>
         <a:p>
           <a:r>
-            <a:rPr lang="zh-TW" altLang="en-US" sz="1200" dirty="0" smtClean="0"/>
+            <a:rPr lang="zh-TW" altLang="en-US" sz="1200" dirty="0" smtClean="0">
+              <a:latin typeface="+mj-ea"/>
+              <a:ea typeface="+mj-ea"/>
+            </a:rPr>
             <a:t>通識教育中心</a:t>
           </a:r>
-          <a:endParaRPr lang="en-US" altLang="zh-TW" sz="1200" dirty="0" smtClean="0"/>
+          <a:endParaRPr lang="en-US" altLang="zh-TW" sz="1200" dirty="0" smtClean="0">
+            <a:latin typeface="+mj-ea"/>
+            <a:ea typeface="+mj-ea"/>
+          </a:endParaRPr>
         </a:p>
       </dgm:t>
     </dgm:pt>
@@ -1462,10 +2731,16 @@
         <a:lstStyle/>
         <a:p>
           <a:r>
-            <a:rPr lang="zh-TW" altLang="en-US" sz="1200" dirty="0" smtClean="0"/>
+            <a:rPr lang="zh-TW" altLang="en-US" sz="1200" dirty="0" smtClean="0">
+              <a:latin typeface="+mj-ea"/>
+              <a:ea typeface="+mj-ea"/>
+            </a:rPr>
             <a:t>工學院</a:t>
           </a:r>
-          <a:endParaRPr lang="en-US" altLang="zh-TW" sz="1200" dirty="0" smtClean="0"/>
+          <a:endParaRPr lang="en-US" altLang="zh-TW" sz="1200" dirty="0" smtClean="0">
+            <a:latin typeface="+mj-ea"/>
+            <a:ea typeface="+mj-ea"/>
+          </a:endParaRPr>
         </a:p>
       </dgm:t>
     </dgm:pt>
@@ -1477,10 +2752,16 @@
         <a:lstStyle/>
         <a:p>
           <a:r>
-            <a:rPr lang="zh-TW" altLang="en-US" sz="1200" dirty="0" smtClean="0"/>
+            <a:rPr lang="zh-TW" altLang="en-US" sz="1200" dirty="0" smtClean="0">
+              <a:latin typeface="+mj-ea"/>
+              <a:ea typeface="+mj-ea"/>
+            </a:rPr>
             <a:t>理學院</a:t>
           </a:r>
-          <a:endParaRPr lang="en-US" altLang="zh-TW" sz="1200" dirty="0" smtClean="0"/>
+          <a:endParaRPr lang="en-US" altLang="zh-TW" sz="1200" dirty="0" smtClean="0">
+            <a:latin typeface="+mj-ea"/>
+            <a:ea typeface="+mj-ea"/>
+          </a:endParaRPr>
         </a:p>
       </dgm:t>
     </dgm:pt>
@@ -1492,10 +2773,16 @@
         <a:lstStyle/>
         <a:p>
           <a:r>
-            <a:rPr lang="zh-TW" altLang="en-US" sz="1200" dirty="0" smtClean="0"/>
+            <a:rPr lang="zh-TW" altLang="en-US" sz="1200" dirty="0" smtClean="0">
+              <a:latin typeface="+mj-ea"/>
+              <a:ea typeface="+mj-ea"/>
+            </a:rPr>
             <a:t>管理學院</a:t>
           </a:r>
-          <a:endParaRPr lang="en-US" altLang="zh-TW" sz="1200" dirty="0" smtClean="0"/>
+          <a:endParaRPr lang="en-US" altLang="zh-TW" sz="1200" dirty="0" smtClean="0">
+            <a:latin typeface="+mj-ea"/>
+            <a:ea typeface="+mj-ea"/>
+          </a:endParaRPr>
         </a:p>
       </dgm:t>
     </dgm:pt>
@@ -1507,10 +2794,16 @@
         <a:lstStyle/>
         <a:p>
           <a:r>
-            <a:rPr lang="zh-TW" altLang="en-US" sz="1200" dirty="0" smtClean="0"/>
+            <a:rPr lang="zh-TW" altLang="en-US" sz="1200" dirty="0" smtClean="0">
+              <a:latin typeface="+mj-ea"/>
+              <a:ea typeface="+mj-ea"/>
+            </a:rPr>
             <a:t>法學院</a:t>
           </a:r>
-          <a:endParaRPr lang="en-US" altLang="zh-TW" sz="1200" dirty="0" smtClean="0"/>
+          <a:endParaRPr lang="en-US" altLang="zh-TW" sz="1200" dirty="0" smtClean="0">
+            <a:latin typeface="+mj-ea"/>
+            <a:ea typeface="+mj-ea"/>
+          </a:endParaRPr>
         </a:p>
       </dgm:t>
     </dgm:pt>
@@ -1522,10 +2815,16 @@
         <a:lstStyle/>
         <a:p>
           <a:r>
-            <a:rPr lang="zh-TW" altLang="en-US" sz="1200" dirty="0" smtClean="0"/>
+            <a:rPr lang="zh-TW" altLang="en-US" sz="1200" dirty="0" smtClean="0">
+              <a:latin typeface="+mj-ea"/>
+              <a:ea typeface="+mj-ea"/>
+            </a:rPr>
             <a:t>人文社會科學院</a:t>
           </a:r>
-          <a:endParaRPr lang="en-US" altLang="zh-TW" sz="1200" dirty="0" smtClean="0"/>
+          <a:endParaRPr lang="en-US" altLang="zh-TW" sz="1200" dirty="0" smtClean="0">
+            <a:latin typeface="+mj-ea"/>
+            <a:ea typeface="+mj-ea"/>
+          </a:endParaRPr>
         </a:p>
       </dgm:t>
     </dgm:pt>
@@ -1537,10 +2836,16 @@
         <a:lstStyle/>
         <a:p>
           <a:r>
-            <a:rPr lang="zh-TW" altLang="en-US" sz="1200" dirty="0" smtClean="0"/>
+            <a:rPr lang="zh-TW" altLang="en-US" sz="1200" dirty="0" smtClean="0">
+              <a:latin typeface="+mj-ea"/>
+              <a:ea typeface="+mj-ea"/>
+            </a:rPr>
             <a:t>教學單位</a:t>
           </a:r>
-          <a:endParaRPr lang="en-US" altLang="zh-TW" sz="1200" dirty="0" smtClean="0"/>
+          <a:endParaRPr lang="en-US" altLang="zh-TW" sz="1200" dirty="0" smtClean="0">
+            <a:latin typeface="+mj-ea"/>
+            <a:ea typeface="+mj-ea"/>
+          </a:endParaRPr>
         </a:p>
       </dgm:t>
     </dgm:pt>
@@ -1728,10 +3033,16 @@
         <a:lstStyle/>
         <a:p>
           <a:r>
-            <a:rPr lang="zh-TW" altLang="en-US" sz="1200" dirty="0" smtClean="0"/>
+            <a:rPr lang="zh-TW" altLang="en-US" sz="1200" dirty="0" smtClean="0">
+              <a:latin typeface="+mj-ea"/>
+              <a:ea typeface="+mj-ea"/>
+            </a:rPr>
             <a:t>各行政單位</a:t>
           </a:r>
-          <a:endParaRPr lang="zh-TW" altLang="en-US" sz="1200" dirty="0"/>
+          <a:endParaRPr lang="zh-TW" altLang="en-US" sz="1200" dirty="0">
+            <a:latin typeface="+mj-ea"/>
+            <a:ea typeface="+mj-ea"/>
+          </a:endParaRPr>
         </a:p>
       </dgm:t>
     </dgm:pt>
@@ -3279,6 +4590,707 @@
 </file>
 
 <file path=ppt/diagrams/drawing1.xml><?xml version="1.0" encoding="utf-8"?>
+<dsp:drawing xmlns:dgm="http://schemas.openxmlformats.org/drawingml/2006/diagram" xmlns:dsp="http://schemas.microsoft.com/office/drawing/2008/diagram" xmlns:a="http://schemas.openxmlformats.org/drawingml/2006/main">
+  <dsp:spTree>
+    <dsp:nvGrpSpPr>
+      <dsp:cNvPr id="0" name=""/>
+      <dsp:cNvGrpSpPr/>
+    </dsp:nvGrpSpPr>
+    <dsp:grpSpPr/>
+    <dsp:sp modelId="{F2E4C086-F367-4975-BF23-4A767B0306D0}">
+      <dsp:nvSpPr>
+        <dsp:cNvPr id="0" name=""/>
+        <dsp:cNvSpPr/>
+      </dsp:nvSpPr>
+      <dsp:spPr>
+        <a:xfrm>
+          <a:off x="2081503" y="1969285"/>
+          <a:ext cx="1539741" cy="1539741"/>
+        </a:xfrm>
+        <a:prstGeom prst="ellipse">
+          <a:avLst/>
+        </a:prstGeom>
+        <a:solidFill>
+          <a:schemeClr val="accent2">
+            <a:hueOff val="0"/>
+            <a:satOff val="0"/>
+            <a:lumOff val="0"/>
+            <a:alphaOff val="0"/>
+          </a:schemeClr>
+        </a:solidFill>
+        <a:ln>
+          <a:noFill/>
+        </a:ln>
+        <a:effectLst>
+          <a:outerShdw blurRad="51500" dist="25400" dir="5400000" rotWithShape="0">
+            <a:srgbClr val="000000">
+              <a:alpha val="40000"/>
+            </a:srgbClr>
+          </a:outerShdw>
+        </a:effectLst>
+        <a:scene3d>
+          <a:camera prst="orthographicFront">
+            <a:rot lat="0" lon="0" rev="0"/>
+          </a:camera>
+          <a:lightRig rig="contrasting" dir="t">
+            <a:rot lat="0" lon="0" rev="1200000"/>
+          </a:lightRig>
+        </a:scene3d>
+        <a:sp3d contourW="19050" prstMaterial="metal">
+          <a:bevelT w="88900" h="203200"/>
+          <a:bevelB w="165100" h="254000"/>
+        </a:sp3d>
+      </dsp:spPr>
+      <dsp:style>
+        <a:lnRef idx="0">
+          <a:scrgbClr r="0" g="0" b="0"/>
+        </a:lnRef>
+        <a:fillRef idx="1">
+          <a:scrgbClr r="0" g="0" b="0"/>
+        </a:fillRef>
+        <a:effectRef idx="1">
+          <a:scrgbClr r="0" g="0" b="0"/>
+        </a:effectRef>
+        <a:fontRef idx="minor">
+          <a:schemeClr val="lt1"/>
+        </a:fontRef>
+      </dsp:style>
+      <dsp:txBody>
+        <a:bodyPr spcFirstLastPara="0" vert="horz" wrap="square" lIns="12700" tIns="12700" rIns="12700" bIns="12700" numCol="1" spcCol="1270" anchor="ctr" anchorCtr="0">
+          <a:noAutofit/>
+        </a:bodyPr>
+        <a:lstStyle/>
+        <a:p>
+          <a:pPr lvl="0" algn="ctr" defTabSz="889000">
+            <a:lnSpc>
+              <a:spcPct val="90000"/>
+            </a:lnSpc>
+            <a:spcBef>
+              <a:spcPct val="0"/>
+            </a:spcBef>
+            <a:spcAft>
+              <a:spcPct val="35000"/>
+            </a:spcAft>
+          </a:pPr>
+          <a:r>
+            <a:rPr lang="zh-TW" altLang="en-US" sz="2000" kern="1200" dirty="0" smtClean="0">
+              <a:latin typeface="+mj-ea"/>
+              <a:ea typeface="+mj-ea"/>
+            </a:rPr>
+            <a:t>高大首頁</a:t>
+          </a:r>
+          <a:endParaRPr lang="zh-TW" altLang="en-US" sz="2000" kern="1200" dirty="0">
+            <a:latin typeface="+mj-ea"/>
+            <a:ea typeface="+mj-ea"/>
+          </a:endParaRPr>
+        </a:p>
+      </dsp:txBody>
+      <dsp:txXfrm>
+        <a:off x="2306993" y="2194775"/>
+        <a:ext cx="1088761" cy="1088761"/>
+      </dsp:txXfrm>
+    </dsp:sp>
+    <dsp:sp modelId="{71892D79-E489-46E0-A395-89FEA239CA3D}">
+      <dsp:nvSpPr>
+        <dsp:cNvPr id="0" name=""/>
+        <dsp:cNvSpPr/>
+      </dsp:nvSpPr>
+      <dsp:spPr>
+        <a:xfrm rot="11700000">
+          <a:off x="709410" y="2126082"/>
+          <a:ext cx="1345603" cy="438826"/>
+        </a:xfrm>
+        <a:prstGeom prst="leftArrow">
+          <a:avLst>
+            <a:gd name="adj1" fmla="val 60000"/>
+            <a:gd name="adj2" fmla="val 50000"/>
+          </a:avLst>
+        </a:prstGeom>
+        <a:solidFill>
+          <a:schemeClr val="accent3">
+            <a:hueOff val="0"/>
+            <a:satOff val="0"/>
+            <a:lumOff val="0"/>
+            <a:alphaOff val="0"/>
+          </a:schemeClr>
+        </a:solidFill>
+        <a:ln>
+          <a:noFill/>
+        </a:ln>
+        <a:effectLst/>
+        <a:scene3d>
+          <a:camera prst="orthographicFront">
+            <a:rot lat="0" lon="0" rev="0"/>
+          </a:camera>
+          <a:lightRig rig="contrasting" dir="t">
+            <a:rot lat="0" lon="0" rev="1200000"/>
+          </a:lightRig>
+        </a:scene3d>
+        <a:sp3d z="-300000" contourW="19050" prstMaterial="metal">
+          <a:bevelT w="88900" h="203200"/>
+          <a:bevelB w="165100" h="254000"/>
+        </a:sp3d>
+      </dsp:spPr>
+      <dsp:style>
+        <a:lnRef idx="0">
+          <a:scrgbClr r="0" g="0" b="0"/>
+        </a:lnRef>
+        <a:fillRef idx="1">
+          <a:scrgbClr r="0" g="0" b="0"/>
+        </a:fillRef>
+        <a:effectRef idx="0">
+          <a:scrgbClr r="0" g="0" b="0"/>
+        </a:effectRef>
+        <a:fontRef idx="minor"/>
+      </dsp:style>
+    </dsp:sp>
+    <dsp:sp modelId="{1493E68E-DDF1-4E3D-B040-324C068F93A7}">
+      <dsp:nvSpPr>
+        <dsp:cNvPr id="0" name=""/>
+        <dsp:cNvSpPr/>
+      </dsp:nvSpPr>
+      <dsp:spPr>
+        <a:xfrm>
+          <a:off x="957" y="1586259"/>
+          <a:ext cx="1462754" cy="1170203"/>
+        </a:xfrm>
+        <a:prstGeom prst="roundRect">
+          <a:avLst>
+            <a:gd name="adj" fmla="val 10000"/>
+          </a:avLst>
+        </a:prstGeom>
+        <a:solidFill>
+          <a:schemeClr val="accent3">
+            <a:hueOff val="0"/>
+            <a:satOff val="0"/>
+            <a:lumOff val="0"/>
+            <a:alphaOff val="0"/>
+          </a:schemeClr>
+        </a:solidFill>
+        <a:ln>
+          <a:noFill/>
+        </a:ln>
+        <a:effectLst>
+          <a:outerShdw blurRad="50800" dist="25400" dir="5400000" rotWithShape="0">
+            <a:srgbClr val="000000">
+              <a:alpha val="45000"/>
+            </a:srgbClr>
+          </a:outerShdw>
+        </a:effectLst>
+        <a:scene3d>
+          <a:camera prst="orthographicFront">
+            <a:rot lat="0" lon="0" rev="0"/>
+          </a:camera>
+          <a:lightRig rig="contrasting" dir="t">
+            <a:rot lat="0" lon="0" rev="1200000"/>
+          </a:lightRig>
+        </a:scene3d>
+        <a:sp3d contourW="19050" prstMaterial="metal">
+          <a:bevelT w="88900" h="203200"/>
+          <a:bevelB w="165100" h="254000"/>
+        </a:sp3d>
+      </dsp:spPr>
+      <dsp:style>
+        <a:lnRef idx="0">
+          <a:scrgbClr r="0" g="0" b="0"/>
+        </a:lnRef>
+        <a:fillRef idx="1">
+          <a:scrgbClr r="0" g="0" b="0"/>
+        </a:fillRef>
+        <a:effectRef idx="2">
+          <a:scrgbClr r="0" g="0" b="0"/>
+        </a:effectRef>
+        <a:fontRef idx="minor">
+          <a:schemeClr val="lt1"/>
+        </a:fontRef>
+      </dsp:style>
+      <dsp:txBody>
+        <a:bodyPr spcFirstLastPara="0" vert="horz" wrap="square" lIns="38100" tIns="38100" rIns="38100" bIns="38100" numCol="1" spcCol="1270" anchor="ctr" anchorCtr="0">
+          <a:noAutofit/>
+        </a:bodyPr>
+        <a:lstStyle/>
+        <a:p>
+          <a:pPr lvl="0" algn="ctr" defTabSz="889000">
+            <a:lnSpc>
+              <a:spcPct val="90000"/>
+            </a:lnSpc>
+            <a:spcBef>
+              <a:spcPct val="0"/>
+            </a:spcBef>
+            <a:spcAft>
+              <a:spcPct val="35000"/>
+            </a:spcAft>
+          </a:pPr>
+          <a:r>
+            <a:rPr lang="zh-TW" altLang="en-US" sz="2000" kern="1200" dirty="0" smtClean="0">
+              <a:latin typeface="+mj-ea"/>
+              <a:ea typeface="+mj-ea"/>
+            </a:rPr>
+            <a:t>新聞</a:t>
+          </a:r>
+          <a:endParaRPr lang="zh-TW" altLang="en-US" sz="2000" kern="1200" dirty="0">
+            <a:latin typeface="+mj-ea"/>
+            <a:ea typeface="+mj-ea"/>
+          </a:endParaRPr>
+        </a:p>
+      </dsp:txBody>
+      <dsp:txXfrm>
+        <a:off x="35231" y="1620533"/>
+        <a:ext cx="1394206" cy="1101655"/>
+      </dsp:txXfrm>
+    </dsp:sp>
+    <dsp:sp modelId="{112FEC19-67EF-4171-96CA-ADF303EF9CA8}">
+      <dsp:nvSpPr>
+        <dsp:cNvPr id="0" name=""/>
+        <dsp:cNvSpPr/>
+      </dsp:nvSpPr>
+      <dsp:spPr>
+        <a:xfrm rot="14700000">
+          <a:off x="1535774" y="1141259"/>
+          <a:ext cx="1345603" cy="438826"/>
+        </a:xfrm>
+        <a:prstGeom prst="leftArrow">
+          <a:avLst>
+            <a:gd name="adj1" fmla="val 60000"/>
+            <a:gd name="adj2" fmla="val 50000"/>
+          </a:avLst>
+        </a:prstGeom>
+        <a:solidFill>
+          <a:schemeClr val="accent3">
+            <a:hueOff val="-5513091"/>
+            <a:satOff val="8941"/>
+            <a:lumOff val="66"/>
+            <a:alphaOff val="0"/>
+          </a:schemeClr>
+        </a:solidFill>
+        <a:ln>
+          <a:noFill/>
+        </a:ln>
+        <a:effectLst/>
+        <a:scene3d>
+          <a:camera prst="orthographicFront">
+            <a:rot lat="0" lon="0" rev="0"/>
+          </a:camera>
+          <a:lightRig rig="contrasting" dir="t">
+            <a:rot lat="0" lon="0" rev="1200000"/>
+          </a:lightRig>
+        </a:scene3d>
+        <a:sp3d z="-300000" contourW="19050" prstMaterial="metal">
+          <a:bevelT w="88900" h="203200"/>
+          <a:bevelB w="165100" h="254000"/>
+        </a:sp3d>
+      </dsp:spPr>
+      <dsp:style>
+        <a:lnRef idx="0">
+          <a:scrgbClr r="0" g="0" b="0"/>
+        </a:lnRef>
+        <a:fillRef idx="1">
+          <a:scrgbClr r="0" g="0" b="0"/>
+        </a:fillRef>
+        <a:effectRef idx="0">
+          <a:scrgbClr r="0" g="0" b="0"/>
+        </a:effectRef>
+        <a:fontRef idx="minor"/>
+      </dsp:style>
+    </dsp:sp>
+    <dsp:sp modelId="{F5291A32-F48E-4FBC-BD5D-261BD58DC8AB}">
+      <dsp:nvSpPr>
+        <dsp:cNvPr id="0" name=""/>
+        <dsp:cNvSpPr/>
+      </dsp:nvSpPr>
+      <dsp:spPr>
+        <a:xfrm>
+          <a:off x="1192860" y="165804"/>
+          <a:ext cx="1462754" cy="1170203"/>
+        </a:xfrm>
+        <a:prstGeom prst="roundRect">
+          <a:avLst>
+            <a:gd name="adj" fmla="val 10000"/>
+          </a:avLst>
+        </a:prstGeom>
+        <a:solidFill>
+          <a:schemeClr val="accent3">
+            <a:hueOff val="-5513091"/>
+            <a:satOff val="8941"/>
+            <a:lumOff val="66"/>
+            <a:alphaOff val="0"/>
+          </a:schemeClr>
+        </a:solidFill>
+        <a:ln>
+          <a:noFill/>
+        </a:ln>
+        <a:effectLst>
+          <a:outerShdw blurRad="50800" dist="25400" dir="5400000" rotWithShape="0">
+            <a:srgbClr val="000000">
+              <a:alpha val="45000"/>
+            </a:srgbClr>
+          </a:outerShdw>
+        </a:effectLst>
+        <a:scene3d>
+          <a:camera prst="orthographicFront">
+            <a:rot lat="0" lon="0" rev="0"/>
+          </a:camera>
+          <a:lightRig rig="contrasting" dir="t">
+            <a:rot lat="0" lon="0" rev="1200000"/>
+          </a:lightRig>
+        </a:scene3d>
+        <a:sp3d contourW="19050" prstMaterial="metal">
+          <a:bevelT w="88900" h="203200"/>
+          <a:bevelB w="165100" h="254000"/>
+        </a:sp3d>
+      </dsp:spPr>
+      <dsp:style>
+        <a:lnRef idx="0">
+          <a:scrgbClr r="0" g="0" b="0"/>
+        </a:lnRef>
+        <a:fillRef idx="1">
+          <a:scrgbClr r="0" g="0" b="0"/>
+        </a:fillRef>
+        <a:effectRef idx="2">
+          <a:scrgbClr r="0" g="0" b="0"/>
+        </a:effectRef>
+        <a:fontRef idx="minor">
+          <a:schemeClr val="lt1"/>
+        </a:fontRef>
+      </dsp:style>
+      <dsp:txBody>
+        <a:bodyPr spcFirstLastPara="0" vert="horz" wrap="square" lIns="38100" tIns="38100" rIns="38100" bIns="38100" numCol="1" spcCol="1270" anchor="ctr" anchorCtr="0">
+          <a:noAutofit/>
+        </a:bodyPr>
+        <a:lstStyle/>
+        <a:p>
+          <a:pPr lvl="0" algn="ctr" defTabSz="889000">
+            <a:lnSpc>
+              <a:spcPct val="90000"/>
+            </a:lnSpc>
+            <a:spcBef>
+              <a:spcPct val="0"/>
+            </a:spcBef>
+            <a:spcAft>
+              <a:spcPct val="35000"/>
+            </a:spcAft>
+          </a:pPr>
+          <a:r>
+            <a:rPr lang="zh-TW" altLang="en-US" sz="2000" kern="1200" dirty="0" smtClean="0">
+              <a:latin typeface="+mj-ea"/>
+              <a:ea typeface="+mj-ea"/>
+            </a:rPr>
+            <a:t>公告</a:t>
+          </a:r>
+          <a:endParaRPr lang="zh-TW" altLang="en-US" sz="2000" kern="1200" dirty="0">
+            <a:latin typeface="+mj-ea"/>
+            <a:ea typeface="+mj-ea"/>
+          </a:endParaRPr>
+        </a:p>
+      </dsp:txBody>
+      <dsp:txXfrm>
+        <a:off x="1227134" y="200078"/>
+        <a:ext cx="1394206" cy="1101655"/>
+      </dsp:txXfrm>
+    </dsp:sp>
+    <dsp:sp modelId="{50380B95-43CA-4DE6-B725-ACF8ECF0C55A}">
+      <dsp:nvSpPr>
+        <dsp:cNvPr id="0" name=""/>
+        <dsp:cNvSpPr/>
+      </dsp:nvSpPr>
+      <dsp:spPr>
+        <a:xfrm rot="17700000">
+          <a:off x="2821369" y="1141259"/>
+          <a:ext cx="1345603" cy="438826"/>
+        </a:xfrm>
+        <a:prstGeom prst="leftArrow">
+          <a:avLst>
+            <a:gd name="adj1" fmla="val 60000"/>
+            <a:gd name="adj2" fmla="val 50000"/>
+          </a:avLst>
+        </a:prstGeom>
+        <a:solidFill>
+          <a:schemeClr val="accent3">
+            <a:hueOff val="-11026182"/>
+            <a:satOff val="17881"/>
+            <a:lumOff val="131"/>
+            <a:alphaOff val="0"/>
+          </a:schemeClr>
+        </a:solidFill>
+        <a:ln>
+          <a:noFill/>
+        </a:ln>
+        <a:effectLst/>
+        <a:scene3d>
+          <a:camera prst="orthographicFront">
+            <a:rot lat="0" lon="0" rev="0"/>
+          </a:camera>
+          <a:lightRig rig="contrasting" dir="t">
+            <a:rot lat="0" lon="0" rev="1200000"/>
+          </a:lightRig>
+        </a:scene3d>
+        <a:sp3d z="-300000" contourW="19050" prstMaterial="metal">
+          <a:bevelT w="88900" h="203200"/>
+          <a:bevelB w="165100" h="254000"/>
+        </a:sp3d>
+      </dsp:spPr>
+      <dsp:style>
+        <a:lnRef idx="0">
+          <a:scrgbClr r="0" g="0" b="0"/>
+        </a:lnRef>
+        <a:fillRef idx="1">
+          <a:scrgbClr r="0" g="0" b="0"/>
+        </a:fillRef>
+        <a:effectRef idx="0">
+          <a:scrgbClr r="0" g="0" b="0"/>
+        </a:effectRef>
+        <a:fontRef idx="minor"/>
+      </dsp:style>
+    </dsp:sp>
+    <dsp:sp modelId="{6370BE3B-8752-4105-8660-BA0EF51D0975}">
+      <dsp:nvSpPr>
+        <dsp:cNvPr id="0" name=""/>
+        <dsp:cNvSpPr/>
+      </dsp:nvSpPr>
+      <dsp:spPr>
+        <a:xfrm>
+          <a:off x="3047132" y="165804"/>
+          <a:ext cx="1462754" cy="1170203"/>
+        </a:xfrm>
+        <a:prstGeom prst="roundRect">
+          <a:avLst>
+            <a:gd name="adj" fmla="val 10000"/>
+          </a:avLst>
+        </a:prstGeom>
+        <a:solidFill>
+          <a:schemeClr val="accent3">
+            <a:hueOff val="-11026182"/>
+            <a:satOff val="17881"/>
+            <a:lumOff val="131"/>
+            <a:alphaOff val="0"/>
+          </a:schemeClr>
+        </a:solidFill>
+        <a:ln>
+          <a:noFill/>
+        </a:ln>
+        <a:effectLst>
+          <a:outerShdw blurRad="50800" dist="25400" dir="5400000" rotWithShape="0">
+            <a:srgbClr val="000000">
+              <a:alpha val="45000"/>
+            </a:srgbClr>
+          </a:outerShdw>
+        </a:effectLst>
+        <a:scene3d>
+          <a:camera prst="orthographicFront">
+            <a:rot lat="0" lon="0" rev="0"/>
+          </a:camera>
+          <a:lightRig rig="contrasting" dir="t">
+            <a:rot lat="0" lon="0" rev="1200000"/>
+          </a:lightRig>
+        </a:scene3d>
+        <a:sp3d contourW="19050" prstMaterial="metal">
+          <a:bevelT w="88900" h="203200"/>
+          <a:bevelB w="165100" h="254000"/>
+        </a:sp3d>
+      </dsp:spPr>
+      <dsp:style>
+        <a:lnRef idx="0">
+          <a:scrgbClr r="0" g="0" b="0"/>
+        </a:lnRef>
+        <a:fillRef idx="1">
+          <a:scrgbClr r="0" g="0" b="0"/>
+        </a:fillRef>
+        <a:effectRef idx="2">
+          <a:scrgbClr r="0" g="0" b="0"/>
+        </a:effectRef>
+        <a:fontRef idx="minor">
+          <a:schemeClr val="lt1"/>
+        </a:fontRef>
+      </dsp:style>
+      <dsp:txBody>
+        <a:bodyPr spcFirstLastPara="0" vert="horz" wrap="square" lIns="38100" tIns="38100" rIns="38100" bIns="38100" numCol="1" spcCol="1270" anchor="ctr" anchorCtr="0">
+          <a:noAutofit/>
+        </a:bodyPr>
+        <a:lstStyle/>
+        <a:p>
+          <a:pPr lvl="0" algn="ctr" defTabSz="889000">
+            <a:lnSpc>
+              <a:spcPct val="90000"/>
+            </a:lnSpc>
+            <a:spcBef>
+              <a:spcPct val="0"/>
+            </a:spcBef>
+            <a:spcAft>
+              <a:spcPct val="35000"/>
+            </a:spcAft>
+          </a:pPr>
+          <a:r>
+            <a:rPr lang="zh-TW" altLang="en-US" sz="2000" kern="1200" dirty="0" smtClean="0">
+              <a:latin typeface="+mj-ea"/>
+              <a:ea typeface="+mj-ea"/>
+            </a:rPr>
+            <a:t>功能連結</a:t>
+          </a:r>
+          <a:endParaRPr lang="zh-TW" altLang="en-US" sz="2000" kern="1200" dirty="0">
+            <a:latin typeface="+mj-ea"/>
+            <a:ea typeface="+mj-ea"/>
+          </a:endParaRPr>
+        </a:p>
+      </dsp:txBody>
+      <dsp:txXfrm>
+        <a:off x="3081406" y="200078"/>
+        <a:ext cx="1394206" cy="1101655"/>
+      </dsp:txXfrm>
+    </dsp:sp>
+    <dsp:sp modelId="{13E017C1-2D92-48EB-BE44-962A41244520}">
+      <dsp:nvSpPr>
+        <dsp:cNvPr id="0" name=""/>
+        <dsp:cNvSpPr/>
+      </dsp:nvSpPr>
+      <dsp:spPr>
+        <a:xfrm rot="20700000">
+          <a:off x="3647734" y="2126082"/>
+          <a:ext cx="1345603" cy="438826"/>
+        </a:xfrm>
+        <a:prstGeom prst="leftArrow">
+          <a:avLst>
+            <a:gd name="adj1" fmla="val 60000"/>
+            <a:gd name="adj2" fmla="val 50000"/>
+          </a:avLst>
+        </a:prstGeom>
+        <a:solidFill>
+          <a:schemeClr val="accent3">
+            <a:hueOff val="-16539272"/>
+            <a:satOff val="26822"/>
+            <a:lumOff val="197"/>
+            <a:alphaOff val="0"/>
+          </a:schemeClr>
+        </a:solidFill>
+        <a:ln>
+          <a:noFill/>
+        </a:ln>
+        <a:effectLst/>
+        <a:scene3d>
+          <a:camera prst="orthographicFront">
+            <a:rot lat="0" lon="0" rev="0"/>
+          </a:camera>
+          <a:lightRig rig="contrasting" dir="t">
+            <a:rot lat="0" lon="0" rev="1200000"/>
+          </a:lightRig>
+        </a:scene3d>
+        <a:sp3d z="-300000" contourW="19050" prstMaterial="metal">
+          <a:bevelT w="88900" h="203200"/>
+          <a:bevelB w="165100" h="254000"/>
+        </a:sp3d>
+      </dsp:spPr>
+      <dsp:style>
+        <a:lnRef idx="0">
+          <a:scrgbClr r="0" g="0" b="0"/>
+        </a:lnRef>
+        <a:fillRef idx="1">
+          <a:scrgbClr r="0" g="0" b="0"/>
+        </a:fillRef>
+        <a:effectRef idx="0">
+          <a:scrgbClr r="0" g="0" b="0"/>
+        </a:effectRef>
+        <a:fontRef idx="minor"/>
+      </dsp:style>
+    </dsp:sp>
+    <dsp:sp modelId="{4128BE2A-8E1C-493D-A171-534C9127DDFD}">
+      <dsp:nvSpPr>
+        <dsp:cNvPr id="0" name=""/>
+        <dsp:cNvSpPr/>
+      </dsp:nvSpPr>
+      <dsp:spPr>
+        <a:xfrm>
+          <a:off x="4239035" y="1586259"/>
+          <a:ext cx="1462754" cy="1170203"/>
+        </a:xfrm>
+        <a:prstGeom prst="roundRect">
+          <a:avLst>
+            <a:gd name="adj" fmla="val 10000"/>
+          </a:avLst>
+        </a:prstGeom>
+        <a:solidFill>
+          <a:schemeClr val="accent3">
+            <a:hueOff val="-16539272"/>
+            <a:satOff val="26822"/>
+            <a:lumOff val="197"/>
+            <a:alphaOff val="0"/>
+          </a:schemeClr>
+        </a:solidFill>
+        <a:ln>
+          <a:noFill/>
+        </a:ln>
+        <a:effectLst>
+          <a:outerShdw blurRad="50800" dist="25400" dir="5400000" rotWithShape="0">
+            <a:srgbClr val="000000">
+              <a:alpha val="45000"/>
+            </a:srgbClr>
+          </a:outerShdw>
+        </a:effectLst>
+        <a:scene3d>
+          <a:camera prst="orthographicFront">
+            <a:rot lat="0" lon="0" rev="0"/>
+          </a:camera>
+          <a:lightRig rig="contrasting" dir="t">
+            <a:rot lat="0" lon="0" rev="1200000"/>
+          </a:lightRig>
+        </a:scene3d>
+        <a:sp3d contourW="19050" prstMaterial="metal">
+          <a:bevelT w="88900" h="203200"/>
+          <a:bevelB w="165100" h="254000"/>
+        </a:sp3d>
+      </dsp:spPr>
+      <dsp:style>
+        <a:lnRef idx="0">
+          <a:scrgbClr r="0" g="0" b="0"/>
+        </a:lnRef>
+        <a:fillRef idx="1">
+          <a:scrgbClr r="0" g="0" b="0"/>
+        </a:fillRef>
+        <a:effectRef idx="2">
+          <a:scrgbClr r="0" g="0" b="0"/>
+        </a:effectRef>
+        <a:fontRef idx="minor">
+          <a:schemeClr val="lt1"/>
+        </a:fontRef>
+      </dsp:style>
+      <dsp:txBody>
+        <a:bodyPr spcFirstLastPara="0" vert="horz" wrap="square" lIns="38100" tIns="38100" rIns="38100" bIns="38100" numCol="1" spcCol="1270" anchor="ctr" anchorCtr="0">
+          <a:noAutofit/>
+        </a:bodyPr>
+        <a:lstStyle/>
+        <a:p>
+          <a:pPr lvl="0" algn="ctr" defTabSz="889000">
+            <a:lnSpc>
+              <a:spcPct val="90000"/>
+            </a:lnSpc>
+            <a:spcBef>
+              <a:spcPct val="0"/>
+            </a:spcBef>
+            <a:spcAft>
+              <a:spcPct val="35000"/>
+            </a:spcAft>
+          </a:pPr>
+          <a:r>
+            <a:rPr lang="zh-TW" altLang="en-US" sz="2000" kern="1200" dirty="0" smtClean="0">
+              <a:latin typeface="+mj-ea"/>
+              <a:ea typeface="+mj-ea"/>
+            </a:rPr>
+            <a:t>訪眾入口</a:t>
+          </a:r>
+          <a:endParaRPr lang="zh-TW" altLang="en-US" sz="2000" kern="1200" dirty="0">
+            <a:latin typeface="+mj-ea"/>
+            <a:ea typeface="+mj-ea"/>
+          </a:endParaRPr>
+        </a:p>
+      </dsp:txBody>
+      <dsp:txXfrm>
+        <a:off x="4273309" y="1620533"/>
+        <a:ext cx="1394206" cy="1101655"/>
+      </dsp:txXfrm>
+    </dsp:sp>
+  </dsp:spTree>
+</dsp:drawing>
+</file>
+
+<file path=ppt/diagrams/drawing2.xml><?xml version="1.0" encoding="utf-8"?>
 <dsp:drawing xmlns:dgm="http://schemas.openxmlformats.org/drawingml/2006/diagram" xmlns:dsp="http://schemas.microsoft.com/office/drawing/2008/diagram" xmlns:a="http://schemas.openxmlformats.org/drawingml/2006/main">
   <dsp:spTree>
     <dsp:nvGrpSpPr>
@@ -4654,10 +6666,16 @@
             </a:spcAft>
           </a:pPr>
           <a:r>
-            <a:rPr lang="zh-TW" altLang="en-US" sz="1200" kern="1200" dirty="0" smtClean="0"/>
+            <a:rPr lang="zh-TW" altLang="en-US" sz="1200" kern="1200" dirty="0" smtClean="0">
+              <a:latin typeface="+mj-ea"/>
+              <a:ea typeface="+mj-ea"/>
+            </a:rPr>
             <a:t>高雄大學</a:t>
           </a:r>
-          <a:endParaRPr lang="zh-TW" altLang="en-US" sz="1200" kern="1200" dirty="0"/>
+          <a:endParaRPr lang="zh-TW" altLang="en-US" sz="1200" kern="1200" dirty="0">
+            <a:latin typeface="+mj-ea"/>
+            <a:ea typeface="+mj-ea"/>
+          </a:endParaRPr>
         </a:p>
       </dsp:txBody>
       <dsp:txXfrm>
@@ -4797,10 +6815,16 @@
             </a:spcAft>
           </a:pPr>
           <a:r>
-            <a:rPr lang="zh-TW" altLang="en-US" sz="1200" kern="1200" dirty="0" smtClean="0"/>
+            <a:rPr lang="zh-TW" altLang="en-US" sz="1200" kern="1200" dirty="0" smtClean="0">
+              <a:latin typeface="+mj-ea"/>
+              <a:ea typeface="+mj-ea"/>
+            </a:rPr>
             <a:t>認識高大</a:t>
           </a:r>
-          <a:endParaRPr lang="zh-TW" altLang="en-US" sz="1200" kern="1200" dirty="0"/>
+          <a:endParaRPr lang="zh-TW" altLang="en-US" sz="1200" kern="1200" dirty="0">
+            <a:latin typeface="+mj-ea"/>
+            <a:ea typeface="+mj-ea"/>
+          </a:endParaRPr>
         </a:p>
       </dsp:txBody>
       <dsp:txXfrm>
@@ -4940,10 +6964,16 @@
             </a:spcAft>
           </a:pPr>
           <a:r>
-            <a:rPr lang="zh-TW" altLang="en-US" sz="1200" kern="1200" dirty="0" smtClean="0"/>
+            <a:rPr lang="zh-TW" altLang="en-US" sz="1200" kern="1200" dirty="0" smtClean="0">
+              <a:latin typeface="+mj-ea"/>
+              <a:ea typeface="+mj-ea"/>
+            </a:rPr>
             <a:t>行政單位</a:t>
           </a:r>
-          <a:endParaRPr lang="zh-TW" altLang="en-US" sz="1200" kern="1200" dirty="0"/>
+          <a:endParaRPr lang="zh-TW" altLang="en-US" sz="1200" kern="1200" dirty="0">
+            <a:latin typeface="+mj-ea"/>
+            <a:ea typeface="+mj-ea"/>
+          </a:endParaRPr>
         </a:p>
       </dsp:txBody>
       <dsp:txXfrm>
@@ -5083,10 +7113,16 @@
             </a:spcAft>
           </a:pPr>
           <a:r>
-            <a:rPr lang="zh-TW" altLang="en-US" sz="1200" kern="1200" dirty="0" smtClean="0"/>
+            <a:rPr lang="zh-TW" altLang="en-US" sz="1200" kern="1200" dirty="0" smtClean="0">
+              <a:latin typeface="+mj-ea"/>
+              <a:ea typeface="+mj-ea"/>
+            </a:rPr>
             <a:t>各行政單位</a:t>
           </a:r>
-          <a:endParaRPr lang="zh-TW" altLang="en-US" sz="1200" kern="1200" dirty="0"/>
+          <a:endParaRPr lang="zh-TW" altLang="en-US" sz="1200" kern="1200" dirty="0">
+            <a:latin typeface="+mj-ea"/>
+            <a:ea typeface="+mj-ea"/>
+          </a:endParaRPr>
         </a:p>
       </dsp:txBody>
       <dsp:txXfrm>
@@ -5226,10 +7262,16 @@
             </a:spcAft>
           </a:pPr>
           <a:r>
-            <a:rPr lang="zh-TW" altLang="en-US" sz="1200" kern="1200" dirty="0" smtClean="0"/>
+            <a:rPr lang="zh-TW" altLang="en-US" sz="1200" kern="1200" dirty="0" smtClean="0">
+              <a:latin typeface="+mj-ea"/>
+              <a:ea typeface="+mj-ea"/>
+            </a:rPr>
             <a:t>教學單位</a:t>
           </a:r>
-          <a:endParaRPr lang="en-US" altLang="zh-TW" sz="1200" kern="1200" dirty="0" smtClean="0"/>
+          <a:endParaRPr lang="en-US" altLang="zh-TW" sz="1200" kern="1200" dirty="0" smtClean="0">
+            <a:latin typeface="+mj-ea"/>
+            <a:ea typeface="+mj-ea"/>
+          </a:endParaRPr>
         </a:p>
       </dsp:txBody>
       <dsp:txXfrm>
@@ -5369,10 +7411,16 @@
             </a:spcAft>
           </a:pPr>
           <a:r>
-            <a:rPr lang="zh-TW" altLang="en-US" sz="1200" kern="1200" dirty="0" smtClean="0"/>
+            <a:rPr lang="zh-TW" altLang="en-US" sz="1200" kern="1200" dirty="0" smtClean="0">
+              <a:latin typeface="+mj-ea"/>
+              <a:ea typeface="+mj-ea"/>
+            </a:rPr>
             <a:t>人文社會科學院</a:t>
           </a:r>
-          <a:endParaRPr lang="en-US" altLang="zh-TW" sz="1200" kern="1200" dirty="0" smtClean="0"/>
+          <a:endParaRPr lang="en-US" altLang="zh-TW" sz="1200" kern="1200" dirty="0" smtClean="0">
+            <a:latin typeface="+mj-ea"/>
+            <a:ea typeface="+mj-ea"/>
+          </a:endParaRPr>
         </a:p>
       </dsp:txBody>
       <dsp:txXfrm>
@@ -5512,10 +7560,16 @@
             </a:spcAft>
           </a:pPr>
           <a:r>
-            <a:rPr lang="zh-TW" altLang="en-US" sz="1200" kern="1200" dirty="0" smtClean="0"/>
+            <a:rPr lang="zh-TW" altLang="en-US" sz="1200" kern="1200" dirty="0" smtClean="0">
+              <a:latin typeface="+mj-ea"/>
+              <a:ea typeface="+mj-ea"/>
+            </a:rPr>
             <a:t>法學院</a:t>
           </a:r>
-          <a:endParaRPr lang="en-US" altLang="zh-TW" sz="1200" kern="1200" dirty="0" smtClean="0"/>
+          <a:endParaRPr lang="en-US" altLang="zh-TW" sz="1200" kern="1200" dirty="0" smtClean="0">
+            <a:latin typeface="+mj-ea"/>
+            <a:ea typeface="+mj-ea"/>
+          </a:endParaRPr>
         </a:p>
       </dsp:txBody>
       <dsp:txXfrm>
@@ -5655,10 +7709,16 @@
             </a:spcAft>
           </a:pPr>
           <a:r>
-            <a:rPr lang="zh-TW" altLang="en-US" sz="1200" kern="1200" dirty="0" smtClean="0"/>
+            <a:rPr lang="zh-TW" altLang="en-US" sz="1200" kern="1200" dirty="0" smtClean="0">
+              <a:latin typeface="+mj-ea"/>
+              <a:ea typeface="+mj-ea"/>
+            </a:rPr>
             <a:t>管理學院</a:t>
           </a:r>
-          <a:endParaRPr lang="en-US" altLang="zh-TW" sz="1200" kern="1200" dirty="0" smtClean="0"/>
+          <a:endParaRPr lang="en-US" altLang="zh-TW" sz="1200" kern="1200" dirty="0" smtClean="0">
+            <a:latin typeface="+mj-ea"/>
+            <a:ea typeface="+mj-ea"/>
+          </a:endParaRPr>
         </a:p>
       </dsp:txBody>
       <dsp:txXfrm>
@@ -5798,10 +7858,16 @@
             </a:spcAft>
           </a:pPr>
           <a:r>
-            <a:rPr lang="zh-TW" altLang="en-US" sz="1200" kern="1200" dirty="0" smtClean="0"/>
+            <a:rPr lang="zh-TW" altLang="en-US" sz="1200" kern="1200" dirty="0" smtClean="0">
+              <a:latin typeface="+mj-ea"/>
+              <a:ea typeface="+mj-ea"/>
+            </a:rPr>
             <a:t>理學院</a:t>
           </a:r>
-          <a:endParaRPr lang="en-US" altLang="zh-TW" sz="1200" kern="1200" dirty="0" smtClean="0"/>
+          <a:endParaRPr lang="en-US" altLang="zh-TW" sz="1200" kern="1200" dirty="0" smtClean="0">
+            <a:latin typeface="+mj-ea"/>
+            <a:ea typeface="+mj-ea"/>
+          </a:endParaRPr>
         </a:p>
       </dsp:txBody>
       <dsp:txXfrm>
@@ -5941,10 +8007,16 @@
             </a:spcAft>
           </a:pPr>
           <a:r>
-            <a:rPr lang="zh-TW" altLang="en-US" sz="1200" kern="1200" dirty="0" smtClean="0"/>
+            <a:rPr lang="zh-TW" altLang="en-US" sz="1200" kern="1200" dirty="0" smtClean="0">
+              <a:latin typeface="+mj-ea"/>
+              <a:ea typeface="+mj-ea"/>
+            </a:rPr>
             <a:t>工學院</a:t>
           </a:r>
-          <a:endParaRPr lang="en-US" altLang="zh-TW" sz="1200" kern="1200" dirty="0" smtClean="0"/>
+          <a:endParaRPr lang="en-US" altLang="zh-TW" sz="1200" kern="1200" dirty="0" smtClean="0">
+            <a:latin typeface="+mj-ea"/>
+            <a:ea typeface="+mj-ea"/>
+          </a:endParaRPr>
         </a:p>
       </dsp:txBody>
       <dsp:txXfrm>
@@ -6084,10 +8156,16 @@
             </a:spcAft>
           </a:pPr>
           <a:r>
-            <a:rPr lang="zh-TW" altLang="en-US" sz="1200" kern="1200" dirty="0" smtClean="0"/>
+            <a:rPr lang="zh-TW" altLang="en-US" sz="1200" kern="1200" dirty="0" smtClean="0">
+              <a:latin typeface="+mj-ea"/>
+              <a:ea typeface="+mj-ea"/>
+            </a:rPr>
             <a:t>通識教育中心</a:t>
           </a:r>
-          <a:endParaRPr lang="en-US" altLang="zh-TW" sz="1200" kern="1200" dirty="0" smtClean="0"/>
+          <a:endParaRPr lang="en-US" altLang="zh-TW" sz="1200" kern="1200" dirty="0" smtClean="0">
+            <a:latin typeface="+mj-ea"/>
+            <a:ea typeface="+mj-ea"/>
+          </a:endParaRPr>
         </a:p>
       </dsp:txBody>
       <dsp:txXfrm>
@@ -6227,10 +8305,16 @@
             </a:spcAft>
           </a:pPr>
           <a:r>
-            <a:rPr lang="zh-TW" altLang="en-US" sz="1200" kern="1200" dirty="0" smtClean="0"/>
+            <a:rPr lang="zh-TW" altLang="en-US" sz="1200" kern="1200" dirty="0" smtClean="0">
+              <a:latin typeface="+mj-ea"/>
+              <a:ea typeface="+mj-ea"/>
+            </a:rPr>
             <a:t>培育中心</a:t>
           </a:r>
-          <a:endParaRPr lang="en-US" altLang="zh-TW" sz="1200" kern="1200" dirty="0" smtClean="0"/>
+          <a:endParaRPr lang="en-US" altLang="zh-TW" sz="1200" kern="1200" dirty="0" smtClean="0">
+            <a:latin typeface="+mj-ea"/>
+            <a:ea typeface="+mj-ea"/>
+          </a:endParaRPr>
         </a:p>
       </dsp:txBody>
       <dsp:txXfrm>
@@ -6370,10 +8454,16 @@
             </a:spcAft>
           </a:pPr>
           <a:r>
-            <a:rPr lang="zh-TW" altLang="en-US" sz="1200" kern="1200" dirty="0" smtClean="0"/>
+            <a:rPr lang="zh-TW" altLang="en-US" sz="1200" kern="1200" dirty="0" smtClean="0">
+              <a:latin typeface="+mj-ea"/>
+              <a:ea typeface="+mj-ea"/>
+            </a:rPr>
             <a:t>語文中心</a:t>
           </a:r>
-          <a:endParaRPr lang="en-US" altLang="zh-TW" sz="1200" kern="1200" dirty="0" smtClean="0"/>
+          <a:endParaRPr lang="en-US" altLang="zh-TW" sz="1200" kern="1200" dirty="0" smtClean="0">
+            <a:latin typeface="+mj-ea"/>
+            <a:ea typeface="+mj-ea"/>
+          </a:endParaRPr>
         </a:p>
       </dsp:txBody>
       <dsp:txXfrm>
@@ -6513,10 +8603,16 @@
             </a:spcAft>
           </a:pPr>
           <a:r>
-            <a:rPr lang="zh-TW" altLang="en-US" sz="1200" kern="1200" dirty="0" smtClean="0"/>
+            <a:rPr lang="zh-TW" altLang="en-US" sz="1200" kern="1200" dirty="0" smtClean="0">
+              <a:latin typeface="+mj-ea"/>
+              <a:ea typeface="+mj-ea"/>
+            </a:rPr>
             <a:t>研究中心</a:t>
           </a:r>
-          <a:endParaRPr lang="en-US" altLang="zh-TW" sz="1200" kern="1200" dirty="0" smtClean="0"/>
+          <a:endParaRPr lang="en-US" altLang="zh-TW" sz="1200" kern="1200" dirty="0" smtClean="0">
+            <a:latin typeface="+mj-ea"/>
+            <a:ea typeface="+mj-ea"/>
+          </a:endParaRPr>
         </a:p>
       </dsp:txBody>
       <dsp:txXfrm>
@@ -6656,10 +8752,16 @@
             </a:spcAft>
           </a:pPr>
           <a:r>
-            <a:rPr lang="zh-TW" altLang="en-US" sz="1200" kern="1200" dirty="0" smtClean="0"/>
+            <a:rPr lang="zh-TW" altLang="en-US" sz="1200" kern="1200" dirty="0" smtClean="0">
+              <a:latin typeface="+mj-ea"/>
+              <a:ea typeface="+mj-ea"/>
+            </a:rPr>
             <a:t>招生資訊</a:t>
           </a:r>
-          <a:endParaRPr lang="en-US" altLang="zh-TW" sz="1200" kern="1200" dirty="0" smtClean="0"/>
+          <a:endParaRPr lang="en-US" altLang="zh-TW" sz="1200" kern="1200" dirty="0" smtClean="0">
+            <a:latin typeface="+mj-ea"/>
+            <a:ea typeface="+mj-ea"/>
+          </a:endParaRPr>
         </a:p>
       </dsp:txBody>
       <dsp:txXfrm>
@@ -6799,10 +8901,16 @@
             </a:spcAft>
           </a:pPr>
           <a:r>
-            <a:rPr lang="zh-TW" altLang="en-US" sz="1200" kern="1200" dirty="0" smtClean="0"/>
+            <a:rPr lang="zh-TW" altLang="en-US" sz="1200" kern="1200" dirty="0" smtClean="0">
+              <a:latin typeface="+mj-ea"/>
+              <a:ea typeface="+mj-ea"/>
+            </a:rPr>
             <a:t>常見問答</a:t>
           </a:r>
-          <a:endParaRPr lang="en-US" altLang="zh-TW" sz="1200" kern="1200" dirty="0" smtClean="0"/>
+          <a:endParaRPr lang="en-US" altLang="zh-TW" sz="1200" kern="1200" dirty="0" smtClean="0">
+            <a:latin typeface="+mj-ea"/>
+            <a:ea typeface="+mj-ea"/>
+          </a:endParaRPr>
         </a:p>
       </dsp:txBody>
       <dsp:txXfrm>
@@ -6942,10 +9050,16 @@
             </a:spcAft>
           </a:pPr>
           <a:r>
-            <a:rPr lang="zh-TW" altLang="en-US" sz="1200" kern="1200" dirty="0" smtClean="0"/>
+            <a:rPr lang="zh-TW" altLang="en-US" sz="1200" kern="1200" dirty="0" smtClean="0">
+              <a:latin typeface="+mj-ea"/>
+              <a:ea typeface="+mj-ea"/>
+            </a:rPr>
             <a:t>常用連結</a:t>
           </a:r>
-          <a:endParaRPr lang="en-US" altLang="zh-TW" sz="1200" kern="1200" dirty="0" smtClean="0"/>
+          <a:endParaRPr lang="en-US" altLang="zh-TW" sz="1200" kern="1200" dirty="0" smtClean="0">
+            <a:latin typeface="+mj-ea"/>
+            <a:ea typeface="+mj-ea"/>
+          </a:endParaRPr>
         </a:p>
       </dsp:txBody>
       <dsp:txXfrm>
@@ -7085,10 +9199,16 @@
             </a:spcAft>
           </a:pPr>
           <a:r>
-            <a:rPr lang="zh-TW" altLang="en-US" sz="1200" kern="1200" dirty="0" smtClean="0"/>
+            <a:rPr lang="zh-TW" altLang="en-US" sz="1200" kern="1200" dirty="0" smtClean="0">
+              <a:latin typeface="+mj-ea"/>
+              <a:ea typeface="+mj-ea"/>
+            </a:rPr>
             <a:t>新聞</a:t>
           </a:r>
-          <a:endParaRPr lang="en-US" altLang="zh-TW" sz="1200" kern="1200" dirty="0" smtClean="0"/>
+          <a:endParaRPr lang="en-US" altLang="zh-TW" sz="1200" kern="1200" dirty="0" smtClean="0">
+            <a:latin typeface="+mj-ea"/>
+            <a:ea typeface="+mj-ea"/>
+          </a:endParaRPr>
         </a:p>
       </dsp:txBody>
       <dsp:txXfrm>
@@ -7228,10 +9348,16 @@
             </a:spcAft>
           </a:pPr>
           <a:r>
-            <a:rPr lang="zh-TW" altLang="en-US" sz="1200" kern="1200" dirty="0" smtClean="0"/>
+            <a:rPr lang="zh-TW" altLang="en-US" sz="1200" kern="1200" dirty="0" smtClean="0">
+              <a:latin typeface="+mj-ea"/>
+              <a:ea typeface="+mj-ea"/>
+            </a:rPr>
             <a:t>公告訊息</a:t>
           </a:r>
-          <a:endParaRPr lang="en-US" altLang="zh-TW" sz="1200" kern="1200" dirty="0" smtClean="0"/>
+          <a:endParaRPr lang="en-US" altLang="zh-TW" sz="1200" kern="1200" dirty="0" smtClean="0">
+            <a:latin typeface="+mj-ea"/>
+            <a:ea typeface="+mj-ea"/>
+          </a:endParaRPr>
         </a:p>
       </dsp:txBody>
       <dsp:txXfrm>
@@ -7244,6 +9370,266 @@
 </file>
 
 <file path=ppt/diagrams/layout1.xml><?xml version="1.0" encoding="utf-8"?>
+<dgm:layoutDef xmlns:dgm="http://schemas.openxmlformats.org/drawingml/2006/diagram" xmlns:a="http://schemas.openxmlformats.org/drawingml/2006/main" uniqueId="urn:microsoft.com/office/officeart/2005/8/layout/radial4">
+  <dgm:title val=""/>
+  <dgm:desc val=""/>
+  <dgm:catLst>
+    <dgm:cat type="relationship" pri="19000"/>
+  </dgm:catLst>
+  <dgm:sampData>
+    <dgm:dataModel>
+      <dgm:ptLst>
+        <dgm:pt modelId="0" type="doc"/>
+        <dgm:pt modelId="1">
+          <dgm:prSet phldr="1"/>
+        </dgm:pt>
+        <dgm:pt modelId="11">
+          <dgm:prSet phldr="1"/>
+        </dgm:pt>
+        <dgm:pt modelId="12">
+          <dgm:prSet phldr="1"/>
+        </dgm:pt>
+        <dgm:pt modelId="13">
+          <dgm:prSet phldr="1"/>
+        </dgm:pt>
+      </dgm:ptLst>
+      <dgm:cxnLst>
+        <dgm:cxn modelId="2" srcId="0" destId="1" srcOrd="0" destOrd="0"/>
+        <dgm:cxn modelId="3" srcId="1" destId="11" srcOrd="0" destOrd="0"/>
+        <dgm:cxn modelId="4" srcId="1" destId="12" srcOrd="1" destOrd="0"/>
+        <dgm:cxn modelId="5" srcId="1" destId="13" srcOrd="2" destOrd="0"/>
+      </dgm:cxnLst>
+      <dgm:bg/>
+      <dgm:whole/>
+    </dgm:dataModel>
+  </dgm:sampData>
+  <dgm:styleData>
+    <dgm:dataModel>
+      <dgm:ptLst>
+        <dgm:pt modelId="0" type="doc"/>
+        <dgm:pt modelId="1"/>
+        <dgm:pt modelId="11"/>
+        <dgm:pt modelId="12"/>
+      </dgm:ptLst>
+      <dgm:cxnLst>
+        <dgm:cxn modelId="2" srcId="0" destId="1" srcOrd="0" destOrd="0"/>
+        <dgm:cxn modelId="15" srcId="1" destId="11" srcOrd="0" destOrd="0"/>
+        <dgm:cxn modelId="16" srcId="1" destId="12" srcOrd="1" destOrd="0"/>
+      </dgm:cxnLst>
+      <dgm:bg/>
+      <dgm:whole/>
+    </dgm:dataModel>
+  </dgm:styleData>
+  <dgm:clrData>
+    <dgm:dataModel>
+      <dgm:ptLst>
+        <dgm:pt modelId="0" type="doc"/>
+        <dgm:pt modelId="1"/>
+        <dgm:pt modelId="11"/>
+        <dgm:pt modelId="12"/>
+        <dgm:pt modelId="13"/>
+        <dgm:pt modelId="14"/>
+        <dgm:pt modelId="15"/>
+        <dgm:pt modelId="16"/>
+      </dgm:ptLst>
+      <dgm:cxnLst>
+        <dgm:cxn modelId="2" srcId="0" destId="1" srcOrd="0" destOrd="0"/>
+        <dgm:cxn modelId="16" srcId="1" destId="11" srcOrd="0" destOrd="0"/>
+        <dgm:cxn modelId="17" srcId="1" destId="12" srcOrd="1" destOrd="0"/>
+        <dgm:cxn modelId="18" srcId="1" destId="13" srcOrd="2" destOrd="0"/>
+        <dgm:cxn modelId="19" srcId="1" destId="14" srcOrd="3" destOrd="0"/>
+        <dgm:cxn modelId="20" srcId="1" destId="15" srcOrd="4" destOrd="0"/>
+        <dgm:cxn modelId="21" srcId="1" destId="16" srcOrd="5" destOrd="0"/>
+      </dgm:cxnLst>
+      <dgm:bg/>
+      <dgm:whole/>
+    </dgm:dataModel>
+  </dgm:clrData>
+  <dgm:layoutNode name="cycle">
+    <dgm:varLst>
+      <dgm:chMax val="1"/>
+      <dgm:dir/>
+      <dgm:animLvl val="ctr"/>
+      <dgm:resizeHandles val="exact"/>
+    </dgm:varLst>
+    <dgm:choose name="Name0">
+      <dgm:if name="Name1" func="var" arg="dir" op="equ" val="norm">
+        <dgm:choose name="Name2">
+          <dgm:if name="Name3" axis="ch ch" ptType="node node" st="1 1" cnt="1 0" func="cnt" op="lte" val="1">
+            <dgm:alg type="cycle">
+              <dgm:param type="stAng" val="0"/>
+              <dgm:param type="spanAng" val="360"/>
+              <dgm:param type="ctrShpMap" val="fNode"/>
+            </dgm:alg>
+          </dgm:if>
+          <dgm:else name="Name4">
+            <dgm:choose name="Name5">
+              <dgm:if name="Name6" axis="ch ch" ptType="node node" st="1 1" cnt="1 0" func="cnt" op="lte" val="3">
+                <dgm:alg type="cycle">
+                  <dgm:param type="stAng" val="-55"/>
+                  <dgm:param type="spanAng" val="110"/>
+                  <dgm:param type="ctrShpMap" val="fNode"/>
+                </dgm:alg>
+              </dgm:if>
+              <dgm:else name="Name7">
+                <dgm:choose name="Name8">
+                  <dgm:if name="Name9" axis="ch ch" ptType="node node" st="1 1" cnt="1 0" func="cnt" op="equ" val="4">
+                    <dgm:alg type="cycle">
+                      <dgm:param type="stAng" val="-75"/>
+                      <dgm:param type="spanAng" val="150"/>
+                      <dgm:param type="ctrShpMap" val="fNode"/>
+                    </dgm:alg>
+                  </dgm:if>
+                  <dgm:else name="Name10">
+                    <dgm:alg type="cycle">
+                      <dgm:param type="stAng" val="-90"/>
+                      <dgm:param type="spanAng" val="180"/>
+                      <dgm:param type="ctrShpMap" val="fNode"/>
+                    </dgm:alg>
+                  </dgm:else>
+                </dgm:choose>
+              </dgm:else>
+            </dgm:choose>
+          </dgm:else>
+        </dgm:choose>
+      </dgm:if>
+      <dgm:else name="Name11">
+        <dgm:choose name="Name12">
+          <dgm:if name="Name13" axis="ch ch" ptType="node node" st="1 1" cnt="1 0" func="cnt" op="lte" val="1">
+            <dgm:alg type="cycle">
+              <dgm:param type="stAng" val="0"/>
+              <dgm:param type="spanAng" val="-360"/>
+              <dgm:param type="ctrShpMap" val="fNode"/>
+            </dgm:alg>
+          </dgm:if>
+          <dgm:else name="Name14">
+            <dgm:choose name="Name15">
+              <dgm:if name="Name16" axis="ch ch" ptType="node node" st="1 1" cnt="1 0" func="cnt" op="lte" val="3">
+                <dgm:alg type="cycle">
+                  <dgm:param type="stAng" val="55"/>
+                  <dgm:param type="spanAng" val="-110"/>
+                  <dgm:param type="ctrShpMap" val="fNode"/>
+                </dgm:alg>
+              </dgm:if>
+              <dgm:else name="Name17">
+                <dgm:choose name="Name18">
+                  <dgm:if name="Name19" axis="ch ch" ptType="node node" st="1 1" cnt="1 0" func="cnt" op="equ" val="4">
+                    <dgm:alg type="cycle">
+                      <dgm:param type="stAng" val="75"/>
+                      <dgm:param type="spanAng" val="-150"/>
+                      <dgm:param type="ctrShpMap" val="fNode"/>
+                    </dgm:alg>
+                  </dgm:if>
+                  <dgm:else name="Name20">
+                    <dgm:alg type="cycle">
+                      <dgm:param type="stAng" val="90"/>
+                      <dgm:param type="spanAng" val="-180"/>
+                      <dgm:param type="ctrShpMap" val="fNode"/>
+                    </dgm:alg>
+                  </dgm:else>
+                </dgm:choose>
+              </dgm:else>
+            </dgm:choose>
+          </dgm:else>
+        </dgm:choose>
+      </dgm:else>
+    </dgm:choose>
+    <dgm:shape xmlns:r="http://schemas.openxmlformats.org/officeDocument/2006/relationships" r:blip="">
+      <dgm:adjLst/>
+    </dgm:shape>
+    <dgm:presOf/>
+    <dgm:constrLst>
+      <dgm:constr type="w" for="ch" forName="centerShape" refType="w"/>
+      <dgm:constr type="w" for="ch" forName="node" refType="w" refFor="ch" refForName="centerShape" fact="0.95"/>
+      <dgm:constr type="h" for="ch" forName="parTrans" refType="w" refFor="ch" refForName="centerShape" fact="0.285"/>
+      <dgm:constr type="sp" refType="w" refFor="ch" refForName="centerShape" op="equ" fact="0.23"/>
+      <dgm:constr type="sibSp" refType="w" refFor="ch" refForName="node" fact="0.1"/>
+      <dgm:constr type="primFontSz" for="ch" forName="node" op="equ"/>
+    </dgm:constrLst>
+    <dgm:choose name="Name21">
+      <dgm:if name="Name22" axis="ch ch" ptType="node node" st="1 1" cnt="1 0" func="cnt" op="lte" val="5">
+        <dgm:ruleLst>
+          <dgm:rule type="w" for="ch" forName="centerShape" val="NaN" fact="0.27" max="NaN"/>
+        </dgm:ruleLst>
+      </dgm:if>
+      <dgm:else name="Name23">
+        <dgm:ruleLst>
+          <dgm:rule type="w" for="ch" forName="centerShape" val="NaN" fact="0.27" max="NaN"/>
+          <dgm:rule type="w" for="ch" forName="node" val="NaN" fact="0.7" max="NaN"/>
+        </dgm:ruleLst>
+      </dgm:else>
+    </dgm:choose>
+    <dgm:forEach name="Name24" axis="ch" ptType="node" cnt="1">
+      <dgm:layoutNode name="centerShape" styleLbl="node0">
+        <dgm:alg type="tx"/>
+        <dgm:shape xmlns:r="http://schemas.openxmlformats.org/officeDocument/2006/relationships" type="ellipse" r:blip="">
+          <dgm:adjLst/>
+        </dgm:shape>
+        <dgm:presOf axis="self"/>
+        <dgm:constrLst>
+          <dgm:constr type="tMarg" refType="primFontSz" fact="0.05"/>
+          <dgm:constr type="bMarg" refType="primFontSz" fact="0.05"/>
+          <dgm:constr type="lMarg" refType="primFontSz" fact="0.05"/>
+          <dgm:constr type="rMarg" refType="primFontSz" fact="0.05"/>
+          <dgm:constr type="primFontSz" val="65"/>
+          <dgm:constr type="h" refType="w"/>
+        </dgm:constrLst>
+        <dgm:ruleLst>
+          <dgm:rule type="primFontSz" val="5" fact="NaN" max="NaN"/>
+        </dgm:ruleLst>
+      </dgm:layoutNode>
+      <dgm:forEach name="Name25" axis="ch">
+        <dgm:forEach name="Name26" axis="self" ptType="parTrans">
+          <dgm:layoutNode name="parTrans" styleLbl="bgSibTrans2D1">
+            <dgm:alg type="conn">
+              <dgm:param type="begPts" val="auto"/>
+              <dgm:param type="endPts" val="ctr"/>
+              <dgm:param type="endSty" val="noArr"/>
+              <dgm:param type="begSty" val="arr"/>
+            </dgm:alg>
+            <dgm:shape xmlns:r="http://schemas.openxmlformats.org/officeDocument/2006/relationships" type="conn" r:blip="">
+              <dgm:adjLst/>
+            </dgm:shape>
+            <dgm:presOf axis="self"/>
+            <dgm:constrLst>
+              <dgm:constr type="begPad" refType="connDist" fact="0.055"/>
+              <dgm:constr type="endPad"/>
+            </dgm:constrLst>
+            <dgm:ruleLst/>
+          </dgm:layoutNode>
+        </dgm:forEach>
+        <dgm:forEach name="Name27" axis="self" ptType="node">
+          <dgm:layoutNode name="node" styleLbl="node1">
+            <dgm:varLst>
+              <dgm:bulletEnabled val="1"/>
+            </dgm:varLst>
+            <dgm:alg type="tx"/>
+            <dgm:shape xmlns:r="http://schemas.openxmlformats.org/officeDocument/2006/relationships" type="roundRect" r:blip="">
+              <dgm:adjLst>
+                <dgm:adj idx="1" val="0.1"/>
+              </dgm:adjLst>
+            </dgm:shape>
+            <dgm:presOf axis="desOrSelf" ptType="node"/>
+            <dgm:constrLst>
+              <dgm:constr type="primFontSz" val="65"/>
+              <dgm:constr type="h" refType="w" fact="0.8"/>
+              <dgm:constr type="tMarg" refType="primFontSz" fact="0.15"/>
+              <dgm:constr type="bMarg" refType="primFontSz" fact="0.15"/>
+              <dgm:constr type="lMarg" refType="primFontSz" fact="0.15"/>
+              <dgm:constr type="rMarg" refType="primFontSz" fact="0.15"/>
+            </dgm:constrLst>
+            <dgm:ruleLst>
+              <dgm:rule type="primFontSz" val="5" fact="NaN" max="NaN"/>
+            </dgm:ruleLst>
+          </dgm:layoutNode>
+        </dgm:forEach>
+      </dgm:forEach>
+    </dgm:forEach>
+  </dgm:layoutNode>
+</dgm:layoutDef>
+</file>
+
+<file path=ppt/diagrams/layout2.xml><?xml version="1.0" encoding="utf-8"?>
 <dgm:layoutDef xmlns:dgm="http://schemas.openxmlformats.org/drawingml/2006/diagram" xmlns:a="http://schemas.openxmlformats.org/drawingml/2006/main" uniqueId="urn:microsoft.com/office/officeart/2005/8/layout/hierarchy1">
   <dgm:title val=""/>
   <dgm:desc val=""/>
@@ -9136,6 +11522,1336 @@
 </dgm:styleDef>
 </file>
 
+<file path=ppt/diagrams/quickStyle2.xml><?xml version="1.0" encoding="utf-8"?>
+<dgm:styleDef xmlns:dgm="http://schemas.openxmlformats.org/drawingml/2006/diagram" xmlns:a="http://schemas.openxmlformats.org/drawingml/2006/main" uniqueId="urn:microsoft.com/office/officeart/2005/8/quickstyle/3d3">
+  <dgm:title val=""/>
+  <dgm:desc val=""/>
+  <dgm:catLst>
+    <dgm:cat type="3D" pri="11300"/>
+  </dgm:catLst>
+  <dgm:scene3d>
+    <a:camera prst="orthographicFront"/>
+    <a:lightRig rig="threePt" dir="t"/>
+  </dgm:scene3d>
+  <dgm:styleLbl name="node0">
+    <dgm:scene3d>
+      <a:camera prst="orthographicFront">
+        <a:rot lat="0" lon="0" rev="0"/>
+      </a:camera>
+      <a:lightRig rig="contrasting" dir="t">
+        <a:rot lat="0" lon="0" rev="1200000"/>
+      </a:lightRig>
+    </dgm:scene3d>
+    <dgm:sp3d contourW="19050" prstMaterial="metal">
+      <a:bevelT w="88900" h="203200"/>
+      <a:bevelB w="165100" h="254000"/>
+    </dgm:sp3d>
+    <dgm:txPr/>
+    <dgm:style>
+      <a:lnRef idx="0">
+        <a:scrgbClr r="0" g="0" b="0"/>
+      </a:lnRef>
+      <a:fillRef idx="1">
+        <a:scrgbClr r="0" g="0" b="0"/>
+      </a:fillRef>
+      <a:effectRef idx="1">
+        <a:scrgbClr r="0" g="0" b="0"/>
+      </a:effectRef>
+      <a:fontRef idx="minor">
+        <a:schemeClr val="lt1"/>
+      </a:fontRef>
+    </dgm:style>
+  </dgm:styleLbl>
+  <dgm:styleLbl name="lnNode1">
+    <dgm:scene3d>
+      <a:camera prst="orthographicFront">
+        <a:rot lat="0" lon="0" rev="0"/>
+      </a:camera>
+      <a:lightRig rig="contrasting" dir="t">
+        <a:rot lat="0" lon="0" rev="1200000"/>
+      </a:lightRig>
+    </dgm:scene3d>
+    <dgm:sp3d contourW="19050" prstMaterial="metal">
+      <a:bevelT w="88900" h="203200"/>
+      <a:bevelB w="165100" h="254000"/>
+    </dgm:sp3d>
+    <dgm:txPr/>
+    <dgm:style>
+      <a:lnRef idx="0">
+        <a:scrgbClr r="0" g="0" b="0"/>
+      </a:lnRef>
+      <a:fillRef idx="1">
+        <a:scrgbClr r="0" g="0" b="0"/>
+      </a:fillRef>
+      <a:effectRef idx="1">
+        <a:scrgbClr r="0" g="0" b="0"/>
+      </a:effectRef>
+      <a:fontRef idx="minor">
+        <a:schemeClr val="lt1"/>
+      </a:fontRef>
+    </dgm:style>
+  </dgm:styleLbl>
+  <dgm:styleLbl name="vennNode1">
+    <dgm:scene3d>
+      <a:camera prst="orthographicFront">
+        <a:rot lat="0" lon="0" rev="0"/>
+      </a:camera>
+      <a:lightRig rig="contrasting" dir="t">
+        <a:rot lat="0" lon="0" rev="1200000"/>
+      </a:lightRig>
+    </dgm:scene3d>
+    <dgm:sp3d contourW="12700" prstMaterial="clear">
+      <a:bevelT w="177800" h="254000"/>
+      <a:bevelB w="152400"/>
+    </dgm:sp3d>
+    <dgm:txPr/>
+    <dgm:style>
+      <a:lnRef idx="0">
+        <a:scrgbClr r="0" g="0" b="0"/>
+      </a:lnRef>
+      <a:fillRef idx="1">
+        <a:scrgbClr r="0" g="0" b="0"/>
+      </a:fillRef>
+      <a:effectRef idx="0">
+        <a:scrgbClr r="0" g="0" b="0"/>
+      </a:effectRef>
+      <a:fontRef idx="minor">
+        <a:schemeClr val="tx1"/>
+      </a:fontRef>
+    </dgm:style>
+  </dgm:styleLbl>
+  <dgm:styleLbl name="alignNode1">
+    <dgm:scene3d>
+      <a:camera prst="orthographicFront">
+        <a:rot lat="0" lon="0" rev="0"/>
+      </a:camera>
+      <a:lightRig rig="contrasting" dir="t">
+        <a:rot lat="0" lon="0" rev="1200000"/>
+      </a:lightRig>
+    </dgm:scene3d>
+    <dgm:sp3d contourW="19050" prstMaterial="metal">
+      <a:bevelT w="88900" h="203200"/>
+      <a:bevelB w="165100" h="254000"/>
+    </dgm:sp3d>
+    <dgm:txPr/>
+    <dgm:style>
+      <a:lnRef idx="0">
+        <a:scrgbClr r="0" g="0" b="0"/>
+      </a:lnRef>
+      <a:fillRef idx="1">
+        <a:scrgbClr r="0" g="0" b="0"/>
+      </a:fillRef>
+      <a:effectRef idx="2">
+        <a:scrgbClr r="0" g="0" b="0"/>
+      </a:effectRef>
+      <a:fontRef idx="minor">
+        <a:schemeClr val="lt1"/>
+      </a:fontRef>
+    </dgm:style>
+  </dgm:styleLbl>
+  <dgm:styleLbl name="node1">
+    <dgm:scene3d>
+      <a:camera prst="orthographicFront">
+        <a:rot lat="0" lon="0" rev="0"/>
+      </a:camera>
+      <a:lightRig rig="contrasting" dir="t">
+        <a:rot lat="0" lon="0" rev="1200000"/>
+      </a:lightRig>
+    </dgm:scene3d>
+    <dgm:sp3d contourW="19050" prstMaterial="metal">
+      <a:bevelT w="88900" h="203200"/>
+      <a:bevelB w="165100" h="254000"/>
+    </dgm:sp3d>
+    <dgm:txPr/>
+    <dgm:style>
+      <a:lnRef idx="0">
+        <a:scrgbClr r="0" g="0" b="0"/>
+      </a:lnRef>
+      <a:fillRef idx="1">
+        <a:scrgbClr r="0" g="0" b="0"/>
+      </a:fillRef>
+      <a:effectRef idx="2">
+        <a:scrgbClr r="0" g="0" b="0"/>
+      </a:effectRef>
+      <a:fontRef idx="minor">
+        <a:schemeClr val="lt1"/>
+      </a:fontRef>
+    </dgm:style>
+  </dgm:styleLbl>
+  <dgm:styleLbl name="node2">
+    <dgm:scene3d>
+      <a:camera prst="orthographicFront">
+        <a:rot lat="0" lon="0" rev="0"/>
+      </a:camera>
+      <a:lightRig rig="contrasting" dir="t">
+        <a:rot lat="0" lon="0" rev="1200000"/>
+      </a:lightRig>
+    </dgm:scene3d>
+    <dgm:sp3d contourW="19050" prstMaterial="metal">
+      <a:bevelT w="88900" h="203200"/>
+      <a:bevelB w="165100" h="254000"/>
+    </dgm:sp3d>
+    <dgm:txPr/>
+    <dgm:style>
+      <a:lnRef idx="0">
+        <a:scrgbClr r="0" g="0" b="0"/>
+      </a:lnRef>
+      <a:fillRef idx="1">
+        <a:scrgbClr r="0" g="0" b="0"/>
+      </a:fillRef>
+      <a:effectRef idx="1">
+        <a:scrgbClr r="0" g="0" b="0"/>
+      </a:effectRef>
+      <a:fontRef idx="minor">
+        <a:schemeClr val="lt1"/>
+      </a:fontRef>
+    </dgm:style>
+  </dgm:styleLbl>
+  <dgm:styleLbl name="node3">
+    <dgm:scene3d>
+      <a:camera prst="orthographicFront">
+        <a:rot lat="0" lon="0" rev="0"/>
+      </a:camera>
+      <a:lightRig rig="contrasting" dir="t">
+        <a:rot lat="0" lon="0" rev="1200000"/>
+      </a:lightRig>
+    </dgm:scene3d>
+    <dgm:sp3d contourW="19050" prstMaterial="metal">
+      <a:bevelT w="88900" h="203200"/>
+      <a:bevelB w="165100" h="254000"/>
+    </dgm:sp3d>
+    <dgm:txPr/>
+    <dgm:style>
+      <a:lnRef idx="0">
+        <a:scrgbClr r="0" g="0" b="0"/>
+      </a:lnRef>
+      <a:fillRef idx="1">
+        <a:scrgbClr r="0" g="0" b="0"/>
+      </a:fillRef>
+      <a:effectRef idx="1">
+        <a:scrgbClr r="0" g="0" b="0"/>
+      </a:effectRef>
+      <a:fontRef idx="minor">
+        <a:schemeClr val="lt1"/>
+      </a:fontRef>
+    </dgm:style>
+  </dgm:styleLbl>
+  <dgm:styleLbl name="node4">
+    <dgm:scene3d>
+      <a:camera prst="orthographicFront">
+        <a:rot lat="0" lon="0" rev="0"/>
+      </a:camera>
+      <a:lightRig rig="contrasting" dir="t">
+        <a:rot lat="0" lon="0" rev="1200000"/>
+      </a:lightRig>
+    </dgm:scene3d>
+    <dgm:sp3d contourW="19050" prstMaterial="metal">
+      <a:bevelT w="88900" h="203200"/>
+      <a:bevelB w="165100" h="254000"/>
+    </dgm:sp3d>
+    <dgm:txPr/>
+    <dgm:style>
+      <a:lnRef idx="0">
+        <a:scrgbClr r="0" g="0" b="0"/>
+      </a:lnRef>
+      <a:fillRef idx="1">
+        <a:scrgbClr r="0" g="0" b="0"/>
+      </a:fillRef>
+      <a:effectRef idx="1">
+        <a:scrgbClr r="0" g="0" b="0"/>
+      </a:effectRef>
+      <a:fontRef idx="minor">
+        <a:schemeClr val="lt1"/>
+      </a:fontRef>
+    </dgm:style>
+  </dgm:styleLbl>
+  <dgm:styleLbl name="fgImgPlace1">
+    <dgm:scene3d>
+      <a:camera prst="orthographicFront">
+        <a:rot lat="0" lon="0" rev="0"/>
+      </a:camera>
+      <a:lightRig rig="contrasting" dir="t">
+        <a:rot lat="0" lon="0" rev="1200000"/>
+      </a:lightRig>
+    </dgm:scene3d>
+    <dgm:sp3d z="300000" contourW="19050" prstMaterial="metal">
+      <a:bevelT w="88900" h="203200"/>
+      <a:bevelB w="165100" h="254000"/>
+    </dgm:sp3d>
+    <dgm:txPr/>
+    <dgm:style>
+      <a:lnRef idx="0">
+        <a:scrgbClr r="0" g="0" b="0"/>
+      </a:lnRef>
+      <a:fillRef idx="1">
+        <a:scrgbClr r="0" g="0" b="0"/>
+      </a:fillRef>
+      <a:effectRef idx="1">
+        <a:scrgbClr r="0" g="0" b="0"/>
+      </a:effectRef>
+      <a:fontRef idx="minor"/>
+    </dgm:style>
+  </dgm:styleLbl>
+  <dgm:styleLbl name="alignImgPlace1">
+    <dgm:scene3d>
+      <a:camera prst="orthographicFront">
+        <a:rot lat="0" lon="0" rev="0"/>
+      </a:camera>
+      <a:lightRig rig="contrasting" dir="t">
+        <a:rot lat="0" lon="0" rev="1200000"/>
+      </a:lightRig>
+    </dgm:scene3d>
+    <dgm:sp3d contourW="12700" prstMaterial="flat">
+      <a:bevelT w="177800" h="254000"/>
+      <a:bevelB w="152400"/>
+    </dgm:sp3d>
+    <dgm:txPr/>
+    <dgm:style>
+      <a:lnRef idx="0">
+        <a:scrgbClr r="0" g="0" b="0"/>
+      </a:lnRef>
+      <a:fillRef idx="1">
+        <a:scrgbClr r="0" g="0" b="0"/>
+      </a:fillRef>
+      <a:effectRef idx="1">
+        <a:scrgbClr r="0" g="0" b="0"/>
+      </a:effectRef>
+      <a:fontRef idx="minor"/>
+    </dgm:style>
+  </dgm:styleLbl>
+  <dgm:styleLbl name="bgImgPlace1">
+    <dgm:scene3d>
+      <a:camera prst="orthographicFront">
+        <a:rot lat="0" lon="0" rev="0"/>
+      </a:camera>
+      <a:lightRig rig="contrasting" dir="t">
+        <a:rot lat="0" lon="0" rev="1200000"/>
+      </a:lightRig>
+    </dgm:scene3d>
+    <dgm:sp3d z="-300000" contourW="19050" prstMaterial="metal">
+      <a:bevelT w="88900" h="203200"/>
+      <a:bevelB w="165100" h="254000"/>
+    </dgm:sp3d>
+    <dgm:txPr/>
+    <dgm:style>
+      <a:lnRef idx="0">
+        <a:scrgbClr r="0" g="0" b="0"/>
+      </a:lnRef>
+      <a:fillRef idx="1">
+        <a:scrgbClr r="0" g="0" b="0"/>
+      </a:fillRef>
+      <a:effectRef idx="1">
+        <a:scrgbClr r="0" g="0" b="0"/>
+      </a:effectRef>
+      <a:fontRef idx="minor"/>
+    </dgm:style>
+  </dgm:styleLbl>
+  <dgm:styleLbl name="sibTrans2D1">
+    <dgm:scene3d>
+      <a:camera prst="orthographicFront">
+        <a:rot lat="0" lon="0" rev="0"/>
+      </a:camera>
+      <a:lightRig rig="contrasting" dir="t">
+        <a:rot lat="0" lon="0" rev="1200000"/>
+      </a:lightRig>
+    </dgm:scene3d>
+    <dgm:sp3d z="-182000" contourW="19050" prstMaterial="metal">
+      <a:bevelT w="88900" h="203200"/>
+      <a:bevelB w="165100" h="254000"/>
+    </dgm:sp3d>
+    <dgm:txPr/>
+    <dgm:style>
+      <a:lnRef idx="0">
+        <a:scrgbClr r="0" g="0" b="0"/>
+      </a:lnRef>
+      <a:fillRef idx="1">
+        <a:scrgbClr r="0" g="0" b="0"/>
+      </a:fillRef>
+      <a:effectRef idx="0">
+        <a:scrgbClr r="0" g="0" b="0"/>
+      </a:effectRef>
+      <a:fontRef idx="minor">
+        <a:schemeClr val="lt1"/>
+      </a:fontRef>
+    </dgm:style>
+  </dgm:styleLbl>
+  <dgm:styleLbl name="fgSibTrans2D1">
+    <dgm:scene3d>
+      <a:camera prst="orthographicFront">
+        <a:rot lat="0" lon="0" rev="0"/>
+      </a:camera>
+      <a:lightRig rig="contrasting" dir="t">
+        <a:rot lat="0" lon="0" rev="1200000"/>
+      </a:lightRig>
+    </dgm:scene3d>
+    <dgm:sp3d z="300000" contourW="19050" prstMaterial="metal">
+      <a:bevelT w="88900" h="203200"/>
+      <a:bevelB w="165100" h="254000"/>
+    </dgm:sp3d>
+    <dgm:txPr/>
+    <dgm:style>
+      <a:lnRef idx="0">
+        <a:scrgbClr r="0" g="0" b="0"/>
+      </a:lnRef>
+      <a:fillRef idx="1">
+        <a:scrgbClr r="0" g="0" b="0"/>
+      </a:fillRef>
+      <a:effectRef idx="0">
+        <a:scrgbClr r="0" g="0" b="0"/>
+      </a:effectRef>
+      <a:fontRef idx="minor"/>
+    </dgm:style>
+  </dgm:styleLbl>
+  <dgm:styleLbl name="bgSibTrans2D1">
+    <dgm:scene3d>
+      <a:camera prst="orthographicFront">
+        <a:rot lat="0" lon="0" rev="0"/>
+      </a:camera>
+      <a:lightRig rig="contrasting" dir="t">
+        <a:rot lat="0" lon="0" rev="1200000"/>
+      </a:lightRig>
+    </dgm:scene3d>
+    <dgm:sp3d z="-300000" contourW="19050" prstMaterial="metal">
+      <a:bevelT w="88900" h="203200"/>
+      <a:bevelB w="165100" h="254000"/>
+    </dgm:sp3d>
+    <dgm:txPr/>
+    <dgm:style>
+      <a:lnRef idx="0">
+        <a:scrgbClr r="0" g="0" b="0"/>
+      </a:lnRef>
+      <a:fillRef idx="1">
+        <a:scrgbClr r="0" g="0" b="0"/>
+      </a:fillRef>
+      <a:effectRef idx="0">
+        <a:scrgbClr r="0" g="0" b="0"/>
+      </a:effectRef>
+      <a:fontRef idx="minor"/>
+    </dgm:style>
+  </dgm:styleLbl>
+  <dgm:styleLbl name="sibTrans1D1">
+    <dgm:scene3d>
+      <a:camera prst="orthographicFront">
+        <a:rot lat="0" lon="0" rev="0"/>
+      </a:camera>
+      <a:lightRig rig="contrasting" dir="t">
+        <a:rot lat="0" lon="0" rev="1200000"/>
+      </a:lightRig>
+    </dgm:scene3d>
+    <dgm:sp3d z="-110000"/>
+    <dgm:txPr/>
+    <dgm:style>
+      <a:lnRef idx="1">
+        <a:scrgbClr r="0" g="0" b="0"/>
+      </a:lnRef>
+      <a:fillRef idx="0">
+        <a:scrgbClr r="0" g="0" b="0"/>
+      </a:fillRef>
+      <a:effectRef idx="0">
+        <a:scrgbClr r="0" g="0" b="0"/>
+      </a:effectRef>
+      <a:fontRef idx="minor"/>
+    </dgm:style>
+  </dgm:styleLbl>
+  <dgm:styleLbl name="callout">
+    <dgm:scene3d>
+      <a:camera prst="orthographicFront">
+        <a:rot lat="0" lon="0" rev="0"/>
+      </a:camera>
+      <a:lightRig rig="contrasting" dir="t">
+        <a:rot lat="0" lon="0" rev="1200000"/>
+      </a:lightRig>
+    </dgm:scene3d>
+    <dgm:sp3d z="10000"/>
+    <dgm:txPr/>
+    <dgm:style>
+      <a:lnRef idx="2">
+        <a:scrgbClr r="0" g="0" b="0"/>
+      </a:lnRef>
+      <a:fillRef idx="1">
+        <a:scrgbClr r="0" g="0" b="0"/>
+      </a:fillRef>
+      <a:effectRef idx="0">
+        <a:scrgbClr r="0" g="0" b="0"/>
+      </a:effectRef>
+      <a:fontRef idx="minor"/>
+    </dgm:style>
+  </dgm:styleLbl>
+  <dgm:styleLbl name="asst0">
+    <dgm:scene3d>
+      <a:camera prst="orthographicFront">
+        <a:rot lat="0" lon="0" rev="0"/>
+      </a:camera>
+      <a:lightRig rig="contrasting" dir="t">
+        <a:rot lat="0" lon="0" rev="1200000"/>
+      </a:lightRig>
+    </dgm:scene3d>
+    <dgm:sp3d contourW="19050" prstMaterial="metal">
+      <a:bevelT w="88900" h="203200"/>
+      <a:bevelB w="165100" h="254000"/>
+    </dgm:sp3d>
+    <dgm:txPr/>
+    <dgm:style>
+      <a:lnRef idx="0">
+        <a:scrgbClr r="0" g="0" b="0"/>
+      </a:lnRef>
+      <a:fillRef idx="1">
+        <a:scrgbClr r="0" g="0" b="0"/>
+      </a:fillRef>
+      <a:effectRef idx="1">
+        <a:scrgbClr r="0" g="0" b="0"/>
+      </a:effectRef>
+      <a:fontRef idx="minor">
+        <a:schemeClr val="lt1"/>
+      </a:fontRef>
+    </dgm:style>
+  </dgm:styleLbl>
+  <dgm:styleLbl name="asst1">
+    <dgm:scene3d>
+      <a:camera prst="orthographicFront">
+        <a:rot lat="0" lon="0" rev="0"/>
+      </a:camera>
+      <a:lightRig rig="contrasting" dir="t">
+        <a:rot lat="0" lon="0" rev="1200000"/>
+      </a:lightRig>
+    </dgm:scene3d>
+    <dgm:sp3d contourW="19050" prstMaterial="metal">
+      <a:bevelT w="88900" h="203200"/>
+      <a:bevelB w="165100" h="254000"/>
+    </dgm:sp3d>
+    <dgm:txPr/>
+    <dgm:style>
+      <a:lnRef idx="0">
+        <a:scrgbClr r="0" g="0" b="0"/>
+      </a:lnRef>
+      <a:fillRef idx="1">
+        <a:scrgbClr r="0" g="0" b="0"/>
+      </a:fillRef>
+      <a:effectRef idx="1">
+        <a:scrgbClr r="0" g="0" b="0"/>
+      </a:effectRef>
+      <a:fontRef idx="minor">
+        <a:schemeClr val="lt1"/>
+      </a:fontRef>
+    </dgm:style>
+  </dgm:styleLbl>
+  <dgm:styleLbl name="asst2">
+    <dgm:scene3d>
+      <a:camera prst="orthographicFront">
+        <a:rot lat="0" lon="0" rev="0"/>
+      </a:camera>
+      <a:lightRig rig="contrasting" dir="t">
+        <a:rot lat="0" lon="0" rev="1200000"/>
+      </a:lightRig>
+    </dgm:scene3d>
+    <dgm:sp3d contourW="19050" prstMaterial="metal">
+      <a:bevelT w="88900" h="203200"/>
+      <a:bevelB w="165100" h="254000"/>
+    </dgm:sp3d>
+    <dgm:txPr/>
+    <dgm:style>
+      <a:lnRef idx="0">
+        <a:scrgbClr r="0" g="0" b="0"/>
+      </a:lnRef>
+      <a:fillRef idx="1">
+        <a:scrgbClr r="0" g="0" b="0"/>
+      </a:fillRef>
+      <a:effectRef idx="1">
+        <a:scrgbClr r="0" g="0" b="0"/>
+      </a:effectRef>
+      <a:fontRef idx="minor">
+        <a:schemeClr val="lt1"/>
+      </a:fontRef>
+    </dgm:style>
+  </dgm:styleLbl>
+  <dgm:styleLbl name="asst3">
+    <dgm:scene3d>
+      <a:camera prst="orthographicFront">
+        <a:rot lat="0" lon="0" rev="0"/>
+      </a:camera>
+      <a:lightRig rig="contrasting" dir="t">
+        <a:rot lat="0" lon="0" rev="1200000"/>
+      </a:lightRig>
+    </dgm:scene3d>
+    <dgm:sp3d contourW="19050" prstMaterial="metal">
+      <a:bevelT w="88900" h="203200"/>
+      <a:bevelB w="165100" h="254000"/>
+    </dgm:sp3d>
+    <dgm:txPr/>
+    <dgm:style>
+      <a:lnRef idx="0">
+        <a:scrgbClr r="0" g="0" b="0"/>
+      </a:lnRef>
+      <a:fillRef idx="1">
+        <a:scrgbClr r="0" g="0" b="0"/>
+      </a:fillRef>
+      <a:effectRef idx="1">
+        <a:scrgbClr r="0" g="0" b="0"/>
+      </a:effectRef>
+      <a:fontRef idx="minor">
+        <a:schemeClr val="lt1"/>
+      </a:fontRef>
+    </dgm:style>
+  </dgm:styleLbl>
+  <dgm:styleLbl name="asst4">
+    <dgm:scene3d>
+      <a:camera prst="orthographicFront"/>
+      <a:lightRig rig="threePt" dir="t"/>
+    </dgm:scene3d>
+    <dgm:sp3d contourW="19050" prstMaterial="metal">
+      <a:bevelT w="88900" h="203200"/>
+      <a:bevelB w="165100" h="254000"/>
+    </dgm:sp3d>
+    <dgm:txPr/>
+    <dgm:style>
+      <a:lnRef idx="0">
+        <a:scrgbClr r="0" g="0" b="0"/>
+      </a:lnRef>
+      <a:fillRef idx="1">
+        <a:scrgbClr r="0" g="0" b="0"/>
+      </a:fillRef>
+      <a:effectRef idx="1">
+        <a:scrgbClr r="0" g="0" b="0"/>
+      </a:effectRef>
+      <a:fontRef idx="minor">
+        <a:schemeClr val="lt1"/>
+      </a:fontRef>
+    </dgm:style>
+  </dgm:styleLbl>
+  <dgm:styleLbl name="parChTrans2D1">
+    <dgm:scene3d>
+      <a:camera prst="orthographicFront">
+        <a:rot lat="0" lon="0" rev="0"/>
+      </a:camera>
+      <a:lightRig rig="contrasting" dir="t">
+        <a:rot lat="0" lon="0" rev="1200000"/>
+      </a:lightRig>
+    </dgm:scene3d>
+    <dgm:sp3d contourW="19050" prstMaterial="metal">
+      <a:bevelT w="88900" h="203200"/>
+      <a:bevelB w="165100" h="254000"/>
+    </dgm:sp3d>
+    <dgm:txPr/>
+    <dgm:style>
+      <a:lnRef idx="0">
+        <a:scrgbClr r="0" g="0" b="0"/>
+      </a:lnRef>
+      <a:fillRef idx="1">
+        <a:scrgbClr r="0" g="0" b="0"/>
+      </a:fillRef>
+      <a:effectRef idx="0">
+        <a:scrgbClr r="0" g="0" b="0"/>
+      </a:effectRef>
+      <a:fontRef idx="minor"/>
+    </dgm:style>
+  </dgm:styleLbl>
+  <dgm:styleLbl name="parChTrans2D2">
+    <dgm:scene3d>
+      <a:camera prst="orthographicFront">
+        <a:rot lat="0" lon="0" rev="0"/>
+      </a:camera>
+      <a:lightRig rig="contrasting" dir="t">
+        <a:rot lat="0" lon="0" rev="1200000"/>
+      </a:lightRig>
+    </dgm:scene3d>
+    <dgm:sp3d contourW="19050" prstMaterial="metal">
+      <a:bevelT w="88900" h="203200"/>
+      <a:bevelB w="165100" h="254000"/>
+    </dgm:sp3d>
+    <dgm:txPr/>
+    <dgm:style>
+      <a:lnRef idx="0">
+        <a:scrgbClr r="0" g="0" b="0"/>
+      </a:lnRef>
+      <a:fillRef idx="1">
+        <a:scrgbClr r="0" g="0" b="0"/>
+      </a:fillRef>
+      <a:effectRef idx="0">
+        <a:scrgbClr r="0" g="0" b="0"/>
+      </a:effectRef>
+      <a:fontRef idx="minor"/>
+    </dgm:style>
+  </dgm:styleLbl>
+  <dgm:styleLbl name="parChTrans2D3">
+    <dgm:scene3d>
+      <a:camera prst="orthographicFront">
+        <a:rot lat="0" lon="0" rev="0"/>
+      </a:camera>
+      <a:lightRig rig="contrasting" dir="t">
+        <a:rot lat="0" lon="0" rev="1200000"/>
+      </a:lightRig>
+    </dgm:scene3d>
+    <dgm:sp3d contourW="19050" prstMaterial="metal">
+      <a:bevelT w="88900" h="203200"/>
+      <a:bevelB w="165100" h="254000"/>
+    </dgm:sp3d>
+    <dgm:txPr/>
+    <dgm:style>
+      <a:lnRef idx="0">
+        <a:scrgbClr r="0" g="0" b="0"/>
+      </a:lnRef>
+      <a:fillRef idx="1">
+        <a:scrgbClr r="0" g="0" b="0"/>
+      </a:fillRef>
+      <a:effectRef idx="0">
+        <a:scrgbClr r="0" g="0" b="0"/>
+      </a:effectRef>
+      <a:fontRef idx="minor"/>
+    </dgm:style>
+  </dgm:styleLbl>
+  <dgm:styleLbl name="parChTrans2D4">
+    <dgm:scene3d>
+      <a:camera prst="orthographicFront">
+        <a:rot lat="0" lon="0" rev="0"/>
+      </a:camera>
+      <a:lightRig rig="contrasting" dir="t">
+        <a:rot lat="0" lon="0" rev="1200000"/>
+      </a:lightRig>
+    </dgm:scene3d>
+    <dgm:sp3d contourW="19050" prstMaterial="metal">
+      <a:bevelT w="88900" h="203200"/>
+      <a:bevelB w="165100" h="254000"/>
+    </dgm:sp3d>
+    <dgm:txPr/>
+    <dgm:style>
+      <a:lnRef idx="0">
+        <a:scrgbClr r="0" g="0" b="0"/>
+      </a:lnRef>
+      <a:fillRef idx="1">
+        <a:scrgbClr r="0" g="0" b="0"/>
+      </a:fillRef>
+      <a:effectRef idx="0">
+        <a:scrgbClr r="0" g="0" b="0"/>
+      </a:effectRef>
+      <a:fontRef idx="minor"/>
+    </dgm:style>
+  </dgm:styleLbl>
+  <dgm:styleLbl name="parChTrans1D1">
+    <dgm:scene3d>
+      <a:camera prst="orthographicFront">
+        <a:rot lat="0" lon="0" rev="0"/>
+      </a:camera>
+      <a:lightRig rig="contrasting" dir="t">
+        <a:rot lat="0" lon="0" rev="1200000"/>
+      </a:lightRig>
+    </dgm:scene3d>
+    <dgm:sp3d z="-110000"/>
+    <dgm:txPr/>
+    <dgm:style>
+      <a:lnRef idx="2">
+        <a:scrgbClr r="0" g="0" b="0"/>
+      </a:lnRef>
+      <a:fillRef idx="0">
+        <a:scrgbClr r="0" g="0" b="0"/>
+      </a:fillRef>
+      <a:effectRef idx="0">
+        <a:scrgbClr r="0" g="0" b="0"/>
+      </a:effectRef>
+      <a:fontRef idx="minor"/>
+    </dgm:style>
+  </dgm:styleLbl>
+  <dgm:styleLbl name="parChTrans1D2">
+    <dgm:scene3d>
+      <a:camera prst="orthographicFront">
+        <a:rot lat="0" lon="0" rev="0"/>
+      </a:camera>
+      <a:lightRig rig="contrasting" dir="t">
+        <a:rot lat="0" lon="0" rev="1200000"/>
+      </a:lightRig>
+    </dgm:scene3d>
+    <dgm:sp3d z="-110000"/>
+    <dgm:txPr/>
+    <dgm:style>
+      <a:lnRef idx="2">
+        <a:scrgbClr r="0" g="0" b="0"/>
+      </a:lnRef>
+      <a:fillRef idx="0">
+        <a:scrgbClr r="0" g="0" b="0"/>
+      </a:fillRef>
+      <a:effectRef idx="0">
+        <a:scrgbClr r="0" g="0" b="0"/>
+      </a:effectRef>
+      <a:fontRef idx="minor"/>
+    </dgm:style>
+  </dgm:styleLbl>
+  <dgm:styleLbl name="parChTrans1D3">
+    <dgm:scene3d>
+      <a:camera prst="orthographicFront">
+        <a:rot lat="0" lon="0" rev="0"/>
+      </a:camera>
+      <a:lightRig rig="contrasting" dir="t">
+        <a:rot lat="0" lon="0" rev="1200000"/>
+      </a:lightRig>
+    </dgm:scene3d>
+    <dgm:sp3d z="-110000"/>
+    <dgm:txPr/>
+    <dgm:style>
+      <a:lnRef idx="2">
+        <a:scrgbClr r="0" g="0" b="0"/>
+      </a:lnRef>
+      <a:fillRef idx="0">
+        <a:scrgbClr r="0" g="0" b="0"/>
+      </a:fillRef>
+      <a:effectRef idx="0">
+        <a:scrgbClr r="0" g="0" b="0"/>
+      </a:effectRef>
+      <a:fontRef idx="minor"/>
+    </dgm:style>
+  </dgm:styleLbl>
+  <dgm:styleLbl name="parChTrans1D4">
+    <dgm:scene3d>
+      <a:camera prst="orthographicFront">
+        <a:rot lat="0" lon="0" rev="0"/>
+      </a:camera>
+      <a:lightRig rig="contrasting" dir="t">
+        <a:rot lat="0" lon="0" rev="1200000"/>
+      </a:lightRig>
+    </dgm:scene3d>
+    <dgm:sp3d z="-110000"/>
+    <dgm:txPr/>
+    <dgm:style>
+      <a:lnRef idx="2">
+        <a:scrgbClr r="0" g="0" b="0"/>
+      </a:lnRef>
+      <a:fillRef idx="0">
+        <a:scrgbClr r="0" g="0" b="0"/>
+      </a:fillRef>
+      <a:effectRef idx="0">
+        <a:scrgbClr r="0" g="0" b="0"/>
+      </a:effectRef>
+      <a:fontRef idx="minor"/>
+    </dgm:style>
+  </dgm:styleLbl>
+  <dgm:styleLbl name="fgAcc1">
+    <dgm:scene3d>
+      <a:camera prst="orthographicFront">
+        <a:rot lat="0" lon="0" rev="0"/>
+      </a:camera>
+      <a:lightRig rig="contrasting" dir="t">
+        <a:rot lat="0" lon="0" rev="1200000"/>
+      </a:lightRig>
+    </dgm:scene3d>
+    <dgm:sp3d z="300000" contourW="19050" prstMaterial="metal">
+      <a:bevelT w="88900" h="203200"/>
+      <a:bevelB w="165100" h="254000"/>
+    </dgm:sp3d>
+    <dgm:txPr/>
+    <dgm:style>
+      <a:lnRef idx="0">
+        <a:scrgbClr r="0" g="0" b="0"/>
+      </a:lnRef>
+      <a:fillRef idx="1">
+        <a:scrgbClr r="0" g="0" b="0"/>
+      </a:fillRef>
+      <a:effectRef idx="0">
+        <a:scrgbClr r="0" g="0" b="0"/>
+      </a:effectRef>
+      <a:fontRef idx="minor"/>
+    </dgm:style>
+  </dgm:styleLbl>
+  <dgm:styleLbl name="conFgAcc1">
+    <dgm:scene3d>
+      <a:camera prst="orthographicFront">
+        <a:rot lat="0" lon="0" rev="0"/>
+      </a:camera>
+      <a:lightRig rig="contrasting" dir="t">
+        <a:rot lat="0" lon="0" rev="1200000"/>
+      </a:lightRig>
+    </dgm:scene3d>
+    <dgm:sp3d z="300000" contourW="19050" prstMaterial="metal">
+      <a:bevelT w="88900" h="203200"/>
+      <a:bevelB w="165100" h="254000"/>
+    </dgm:sp3d>
+    <dgm:txPr/>
+    <dgm:style>
+      <a:lnRef idx="0">
+        <a:scrgbClr r="0" g="0" b="0"/>
+      </a:lnRef>
+      <a:fillRef idx="1">
+        <a:scrgbClr r="0" g="0" b="0"/>
+      </a:fillRef>
+      <a:effectRef idx="0">
+        <a:scrgbClr r="0" g="0" b="0"/>
+      </a:effectRef>
+      <a:fontRef idx="minor"/>
+    </dgm:style>
+  </dgm:styleLbl>
+  <dgm:styleLbl name="alignAcc1">
+    <dgm:scene3d>
+      <a:camera prst="orthographicFront">
+        <a:rot lat="0" lon="0" rev="0"/>
+      </a:camera>
+      <a:lightRig rig="contrasting" dir="t">
+        <a:rot lat="0" lon="0" rev="1200000"/>
+      </a:lightRig>
+    </dgm:scene3d>
+    <dgm:sp3d contourW="19050" prstMaterial="metal">
+      <a:bevelT w="88900" h="203200"/>
+      <a:bevelB w="165100" h="254000"/>
+    </dgm:sp3d>
+    <dgm:txPr/>
+    <dgm:style>
+      <a:lnRef idx="0">
+        <a:scrgbClr r="0" g="0" b="0"/>
+      </a:lnRef>
+      <a:fillRef idx="1">
+        <a:scrgbClr r="0" g="0" b="0"/>
+      </a:fillRef>
+      <a:effectRef idx="0">
+        <a:scrgbClr r="0" g="0" b="0"/>
+      </a:effectRef>
+      <a:fontRef idx="minor"/>
+    </dgm:style>
+  </dgm:styleLbl>
+  <dgm:styleLbl name="trAlignAcc1">
+    <dgm:scene3d>
+      <a:camera prst="orthographicFront">
+        <a:rot lat="0" lon="0" rev="0"/>
+      </a:camera>
+      <a:lightRig rig="contrasting" dir="t">
+        <a:rot lat="0" lon="0" rev="1200000"/>
+      </a:lightRig>
+    </dgm:scene3d>
+    <dgm:sp3d contourW="19050" prstMaterial="metal">
+      <a:bevelT w="88900" h="203200"/>
+      <a:bevelB w="165100" h="254000"/>
+    </dgm:sp3d>
+    <dgm:txPr/>
+    <dgm:style>
+      <a:lnRef idx="0">
+        <a:scrgbClr r="0" g="0" b="0"/>
+      </a:lnRef>
+      <a:fillRef idx="1">
+        <a:scrgbClr r="0" g="0" b="0"/>
+      </a:fillRef>
+      <a:effectRef idx="1">
+        <a:scrgbClr r="0" g="0" b="0"/>
+      </a:effectRef>
+      <a:fontRef idx="minor"/>
+    </dgm:style>
+  </dgm:styleLbl>
+  <dgm:styleLbl name="bgAcc1">
+    <dgm:scene3d>
+      <a:camera prst="orthographicFront">
+        <a:rot lat="0" lon="0" rev="0"/>
+      </a:camera>
+      <a:lightRig rig="contrasting" dir="t">
+        <a:rot lat="0" lon="0" rev="1200000"/>
+      </a:lightRig>
+    </dgm:scene3d>
+    <dgm:sp3d z="-300000" contourW="19050" prstMaterial="metal">
+      <a:bevelT w="88900" h="203200"/>
+      <a:bevelB w="165100" h="254000"/>
+    </dgm:sp3d>
+    <dgm:txPr/>
+    <dgm:style>
+      <a:lnRef idx="0">
+        <a:scrgbClr r="0" g="0" b="0"/>
+      </a:lnRef>
+      <a:fillRef idx="1">
+        <a:scrgbClr r="0" g="0" b="0"/>
+      </a:fillRef>
+      <a:effectRef idx="0">
+        <a:scrgbClr r="0" g="0" b="0"/>
+      </a:effectRef>
+      <a:fontRef idx="minor"/>
+    </dgm:style>
+  </dgm:styleLbl>
+  <dgm:styleLbl name="solidFgAcc1">
+    <dgm:scene3d>
+      <a:camera prst="orthographicFront">
+        <a:rot lat="0" lon="0" rev="0"/>
+      </a:camera>
+      <a:lightRig rig="contrasting" dir="t">
+        <a:rot lat="0" lon="0" rev="1200000"/>
+      </a:lightRig>
+    </dgm:scene3d>
+    <dgm:sp3d z="300000" contourW="12700" prstMaterial="flat">
+      <a:bevelT w="177800" h="254000"/>
+      <a:bevelB w="152400"/>
+    </dgm:sp3d>
+    <dgm:txPr/>
+    <dgm:style>
+      <a:lnRef idx="0">
+        <a:scrgbClr r="0" g="0" b="0"/>
+      </a:lnRef>
+      <a:fillRef idx="1">
+        <a:scrgbClr r="0" g="0" b="0"/>
+      </a:fillRef>
+      <a:effectRef idx="0">
+        <a:scrgbClr r="0" g="0" b="0"/>
+      </a:effectRef>
+      <a:fontRef idx="minor"/>
+    </dgm:style>
+  </dgm:styleLbl>
+  <dgm:styleLbl name="solidAlignAcc1">
+    <dgm:scene3d>
+      <a:camera prst="orthographicFront">
+        <a:rot lat="0" lon="0" rev="0"/>
+      </a:camera>
+      <a:lightRig rig="contrasting" dir="t">
+        <a:rot lat="0" lon="0" rev="1200000"/>
+      </a:lightRig>
+    </dgm:scene3d>
+    <dgm:sp3d contourW="19050" prstMaterial="metal">
+      <a:bevelT w="88900" h="203200"/>
+      <a:bevelB w="165100" h="254000"/>
+    </dgm:sp3d>
+    <dgm:txPr/>
+    <dgm:style>
+      <a:lnRef idx="0">
+        <a:scrgbClr r="0" g="0" b="0"/>
+      </a:lnRef>
+      <a:fillRef idx="1">
+        <a:scrgbClr r="0" g="0" b="0"/>
+      </a:fillRef>
+      <a:effectRef idx="0">
+        <a:scrgbClr r="0" g="0" b="0"/>
+      </a:effectRef>
+      <a:fontRef idx="minor"/>
+    </dgm:style>
+  </dgm:styleLbl>
+  <dgm:styleLbl name="solidBgAcc1">
+    <dgm:scene3d>
+      <a:camera prst="orthographicFront">
+        <a:rot lat="0" lon="0" rev="0"/>
+      </a:camera>
+      <a:lightRig rig="contrasting" dir="t">
+        <a:rot lat="0" lon="0" rev="1200000"/>
+      </a:lightRig>
+    </dgm:scene3d>
+    <dgm:sp3d z="-300000" contourW="19050" prstMaterial="metal">
+      <a:bevelT w="88900" h="203200"/>
+      <a:bevelB w="165100" h="254000"/>
+    </dgm:sp3d>
+    <dgm:txPr/>
+    <dgm:style>
+      <a:lnRef idx="0">
+        <a:scrgbClr r="0" g="0" b="0"/>
+      </a:lnRef>
+      <a:fillRef idx="1">
+        <a:scrgbClr r="0" g="0" b="0"/>
+      </a:fillRef>
+      <a:effectRef idx="0">
+        <a:scrgbClr r="0" g="0" b="0"/>
+      </a:effectRef>
+      <a:fontRef idx="minor"/>
+    </dgm:style>
+  </dgm:styleLbl>
+  <dgm:styleLbl name="fgAccFollowNode1">
+    <dgm:scene3d>
+      <a:camera prst="orthographicFront">
+        <a:rot lat="0" lon="0" rev="0"/>
+      </a:camera>
+      <a:lightRig rig="contrasting" dir="t">
+        <a:rot lat="0" lon="0" rev="1200000"/>
+      </a:lightRig>
+    </dgm:scene3d>
+    <dgm:sp3d z="300000" contourW="19050" prstMaterial="metal">
+      <a:bevelT w="88900" h="203200"/>
+      <a:bevelB w="165100" h="254000"/>
+    </dgm:sp3d>
+    <dgm:txPr/>
+    <dgm:style>
+      <a:lnRef idx="0">
+        <a:scrgbClr r="0" g="0" b="0"/>
+      </a:lnRef>
+      <a:fillRef idx="1">
+        <a:scrgbClr r="0" g="0" b="0"/>
+      </a:fillRef>
+      <a:effectRef idx="0">
+        <a:scrgbClr r="0" g="0" b="0"/>
+      </a:effectRef>
+      <a:fontRef idx="minor"/>
+    </dgm:style>
+  </dgm:styleLbl>
+  <dgm:styleLbl name="alignAccFollowNode1">
+    <dgm:scene3d>
+      <a:camera prst="orthographicFront">
+        <a:rot lat="0" lon="0" rev="0"/>
+      </a:camera>
+      <a:lightRig rig="contrasting" dir="t">
+        <a:rot lat="0" lon="0" rev="1200000"/>
+      </a:lightRig>
+    </dgm:scene3d>
+    <dgm:sp3d contourW="19050" prstMaterial="metal">
+      <a:bevelT w="88900" h="203200"/>
+      <a:bevelB w="165100" h="254000"/>
+    </dgm:sp3d>
+    <dgm:txPr/>
+    <dgm:style>
+      <a:lnRef idx="0">
+        <a:scrgbClr r="0" g="0" b="0"/>
+      </a:lnRef>
+      <a:fillRef idx="1">
+        <a:scrgbClr r="0" g="0" b="0"/>
+      </a:fillRef>
+      <a:effectRef idx="0">
+        <a:scrgbClr r="0" g="0" b="0"/>
+      </a:effectRef>
+      <a:fontRef idx="minor"/>
+    </dgm:style>
+  </dgm:styleLbl>
+  <dgm:styleLbl name="bgAccFollowNode1">
+    <dgm:scene3d>
+      <a:camera prst="orthographicFront">
+        <a:rot lat="0" lon="0" rev="0"/>
+      </a:camera>
+      <a:lightRig rig="contrasting" dir="t">
+        <a:rot lat="0" lon="0" rev="1200000"/>
+      </a:lightRig>
+    </dgm:scene3d>
+    <dgm:sp3d z="-300000" contourW="19050" prstMaterial="metal">
+      <a:bevelT w="88900" h="203200"/>
+      <a:bevelB w="165100" h="254000"/>
+    </dgm:sp3d>
+    <dgm:txPr/>
+    <dgm:style>
+      <a:lnRef idx="0">
+        <a:scrgbClr r="0" g="0" b="0"/>
+      </a:lnRef>
+      <a:fillRef idx="1">
+        <a:scrgbClr r="0" g="0" b="0"/>
+      </a:fillRef>
+      <a:effectRef idx="0">
+        <a:scrgbClr r="0" g="0" b="0"/>
+      </a:effectRef>
+      <a:fontRef idx="minor"/>
+    </dgm:style>
+  </dgm:styleLbl>
+  <dgm:styleLbl name="fgAcc0">
+    <dgm:scene3d>
+      <a:camera prst="orthographicFront">
+        <a:rot lat="0" lon="0" rev="0"/>
+      </a:camera>
+      <a:lightRig rig="contrasting" dir="t">
+        <a:rot lat="0" lon="0" rev="1200000"/>
+      </a:lightRig>
+    </dgm:scene3d>
+    <dgm:sp3d z="300000" contourW="19050" prstMaterial="metal">
+      <a:bevelT w="88900" h="203200"/>
+      <a:bevelB w="165100" h="254000"/>
+    </dgm:sp3d>
+    <dgm:txPr/>
+    <dgm:style>
+      <a:lnRef idx="0">
+        <a:scrgbClr r="0" g="0" b="0"/>
+      </a:lnRef>
+      <a:fillRef idx="1">
+        <a:scrgbClr r="0" g="0" b="0"/>
+      </a:fillRef>
+      <a:effectRef idx="0">
+        <a:scrgbClr r="0" g="0" b="0"/>
+      </a:effectRef>
+      <a:fontRef idx="minor"/>
+    </dgm:style>
+  </dgm:styleLbl>
+  <dgm:styleLbl name="fgAcc2">
+    <dgm:scene3d>
+      <a:camera prst="orthographicFront">
+        <a:rot lat="0" lon="0" rev="0"/>
+      </a:camera>
+      <a:lightRig rig="contrasting" dir="t">
+        <a:rot lat="0" lon="0" rev="1200000"/>
+      </a:lightRig>
+    </dgm:scene3d>
+    <dgm:sp3d z="300000" contourW="19050" prstMaterial="metal">
+      <a:bevelT w="88900" h="203200"/>
+      <a:bevelB w="165100" h="254000"/>
+    </dgm:sp3d>
+    <dgm:txPr/>
+    <dgm:style>
+      <a:lnRef idx="0">
+        <a:scrgbClr r="0" g="0" b="0"/>
+      </a:lnRef>
+      <a:fillRef idx="1">
+        <a:scrgbClr r="0" g="0" b="0"/>
+      </a:fillRef>
+      <a:effectRef idx="0">
+        <a:scrgbClr r="0" g="0" b="0"/>
+      </a:effectRef>
+      <a:fontRef idx="minor"/>
+    </dgm:style>
+  </dgm:styleLbl>
+  <dgm:styleLbl name="fgAcc3">
+    <dgm:scene3d>
+      <a:camera prst="orthographicFront">
+        <a:rot lat="0" lon="0" rev="0"/>
+      </a:camera>
+      <a:lightRig rig="contrasting" dir="t">
+        <a:rot lat="0" lon="0" rev="1200000"/>
+      </a:lightRig>
+    </dgm:scene3d>
+    <dgm:sp3d z="300000" contourW="19050" prstMaterial="metal">
+      <a:bevelT w="88900" h="203200"/>
+      <a:bevelB w="165100" h="254000"/>
+    </dgm:sp3d>
+    <dgm:txPr/>
+    <dgm:style>
+      <a:lnRef idx="0">
+        <a:scrgbClr r="0" g="0" b="0"/>
+      </a:lnRef>
+      <a:fillRef idx="1">
+        <a:scrgbClr r="0" g="0" b="0"/>
+      </a:fillRef>
+      <a:effectRef idx="0">
+        <a:scrgbClr r="0" g="0" b="0"/>
+      </a:effectRef>
+      <a:fontRef idx="minor"/>
+    </dgm:style>
+  </dgm:styleLbl>
+  <dgm:styleLbl name="fgAcc4">
+    <dgm:scene3d>
+      <a:camera prst="orthographicFront">
+        <a:rot lat="0" lon="0" rev="0"/>
+      </a:camera>
+      <a:lightRig rig="contrasting" dir="t">
+        <a:rot lat="0" lon="0" rev="1200000"/>
+      </a:lightRig>
+    </dgm:scene3d>
+    <dgm:sp3d z="300000" contourW="19050" prstMaterial="metal">
+      <a:bevelT w="88900" h="203200"/>
+      <a:bevelB w="165100" h="254000"/>
+    </dgm:sp3d>
+    <dgm:txPr/>
+    <dgm:style>
+      <a:lnRef idx="0">
+        <a:scrgbClr r="0" g="0" b="0"/>
+      </a:lnRef>
+      <a:fillRef idx="1">
+        <a:scrgbClr r="0" g="0" b="0"/>
+      </a:fillRef>
+      <a:effectRef idx="0">
+        <a:scrgbClr r="0" g="0" b="0"/>
+      </a:effectRef>
+      <a:fontRef idx="minor"/>
+    </dgm:style>
+  </dgm:styleLbl>
+  <dgm:styleLbl name="bgShp">
+    <dgm:scene3d>
+      <a:camera prst="orthographicFront">
+        <a:rot lat="0" lon="0" rev="0"/>
+      </a:camera>
+      <a:lightRig rig="contrasting" dir="t">
+        <a:rot lat="0" lon="0" rev="1200000"/>
+      </a:lightRig>
+    </dgm:scene3d>
+    <dgm:sp3d z="-300000" prstMaterial="plastic"/>
+    <dgm:txPr/>
+    <dgm:style>
+      <a:lnRef idx="1">
+        <a:scrgbClr r="0" g="0" b="0"/>
+      </a:lnRef>
+      <a:fillRef idx="1">
+        <a:scrgbClr r="0" g="0" b="0"/>
+      </a:fillRef>
+      <a:effectRef idx="0">
+        <a:scrgbClr r="0" g="0" b="0"/>
+      </a:effectRef>
+      <a:fontRef idx="minor"/>
+    </dgm:style>
+  </dgm:styleLbl>
+  <dgm:styleLbl name="dkBgShp">
+    <dgm:scene3d>
+      <a:camera prst="orthographicFront">
+        <a:rot lat="0" lon="0" rev="0"/>
+      </a:camera>
+      <a:lightRig rig="contrasting" dir="t">
+        <a:rot lat="0" lon="0" rev="1200000"/>
+      </a:lightRig>
+    </dgm:scene3d>
+    <dgm:sp3d contourW="12700" prstMaterial="flat">
+      <a:bevelT w="100800" h="154000"/>
+      <a:bevelB w="152400"/>
+    </dgm:sp3d>
+    <dgm:txPr/>
+    <dgm:style>
+      <a:lnRef idx="0">
+        <a:scrgbClr r="0" g="0" b="0"/>
+      </a:lnRef>
+      <a:fillRef idx="1">
+        <a:scrgbClr r="0" g="0" b="0"/>
+      </a:fillRef>
+      <a:effectRef idx="0">
+        <a:scrgbClr r="0" g="0" b="0"/>
+      </a:effectRef>
+      <a:fontRef idx="minor"/>
+    </dgm:style>
+  </dgm:styleLbl>
+  <dgm:styleLbl name="trBgShp">
+    <dgm:scene3d>
+      <a:camera prst="orthographicFront">
+        <a:rot lat="0" lon="0" rev="0"/>
+      </a:camera>
+      <a:lightRig rig="contrasting" dir="t">
+        <a:rot lat="0" lon="0" rev="1200000"/>
+      </a:lightRig>
+    </dgm:scene3d>
+    <dgm:sp3d z="-152400" prstMaterial="matte"/>
+    <dgm:txPr/>
+    <dgm:style>
+      <a:lnRef idx="1">
+        <a:scrgbClr r="0" g="0" b="0"/>
+      </a:lnRef>
+      <a:fillRef idx="1">
+        <a:scrgbClr r="0" g="0" b="0"/>
+      </a:fillRef>
+      <a:effectRef idx="0">
+        <a:scrgbClr r="0" g="0" b="0"/>
+      </a:effectRef>
+      <a:fontRef idx="minor"/>
+    </dgm:style>
+  </dgm:styleLbl>
+  <dgm:styleLbl name="fgShp">
+    <dgm:scene3d>
+      <a:camera prst="orthographicFront">
+        <a:rot lat="0" lon="0" rev="0"/>
+      </a:camera>
+      <a:lightRig rig="contrasting" dir="t">
+        <a:rot lat="0" lon="0" rev="1200000"/>
+      </a:lightRig>
+    </dgm:scene3d>
+    <dgm:sp3d z="300000" contourW="19050" prstMaterial="metal">
+      <a:bevelT w="88900" h="203200"/>
+      <a:bevelB w="165100" h="254000"/>
+    </dgm:sp3d>
+    <dgm:txPr/>
+    <dgm:style>
+      <a:lnRef idx="0">
+        <a:scrgbClr r="0" g="0" b="0"/>
+      </a:lnRef>
+      <a:fillRef idx="1">
+        <a:scrgbClr r="0" g="0" b="0"/>
+      </a:fillRef>
+      <a:effectRef idx="0">
+        <a:scrgbClr r="0" g="0" b="0"/>
+      </a:effectRef>
+      <a:fontRef idx="minor"/>
+    </dgm:style>
+  </dgm:styleLbl>
+  <dgm:styleLbl name="revTx">
+    <dgm:scene3d>
+      <a:camera prst="orthographicFront"/>
+      <a:lightRig rig="threePt" dir="t"/>
+    </dgm:scene3d>
+    <dgm:sp3d/>
+    <dgm:txPr/>
+    <dgm:style>
+      <a:lnRef idx="1">
+        <a:scrgbClr r="0" g="0" b="0"/>
+      </a:lnRef>
+      <a:fillRef idx="0">
+        <a:scrgbClr r="0" g="0" b="0"/>
+      </a:fillRef>
+      <a:effectRef idx="0">
+        <a:scrgbClr r="0" g="0" b="0"/>
+      </a:effectRef>
+      <a:fontRef idx="minor"/>
+    </dgm:style>
+  </dgm:styleLbl>
+</dgm:styleDef>
+</file>
+
 <file path=ppt/notesMasters/notesMaster1.xml><?xml version="1.0" encoding="utf-8"?>
 <p:notesMaster xmlns:a="http://schemas.openxmlformats.org/drawingml/2006/main" xmlns:r="http://schemas.openxmlformats.org/officeDocument/2006/relationships" xmlns:p="http://schemas.openxmlformats.org/presentationml/2006/main">
   <p:cSld>
@@ -9218,7 +12934,7 @@
           <a:p>
             <a:fld id="{24E3F47C-BE7F-4718-86A6-0CCDB78262FF}" type="datetimeFigureOut">
               <a:rPr lang="zh-TW" altLang="en-US" smtClean="0"/>
-              <a:t>2014/11/9</a:t>
+              <a:t>2014/11/10</a:t>
             </a:fld>
             <a:endParaRPr lang="zh-TW" altLang="en-US"/>
           </a:p>
@@ -10149,7 +13865,7 @@
           <a:p>
             <a:fld id="{138E1616-2F50-4215-9FBB-DAF8B9CB713B}" type="datetime1">
               <a:rPr lang="en-US" altLang="zh-TW" smtClean="0"/>
-              <a:t>11/9/2014</a:t>
+              <a:t>11/10/2014</a:t>
             </a:fld>
             <a:endParaRPr lang="en-US" dirty="0"/>
           </a:p>
@@ -10333,7 +14049,7 @@
           <a:p>
             <a:fld id="{B2B73889-5FC0-4C87-8514-204FE31DF5A8}" type="datetime1">
               <a:rPr lang="en-US" altLang="zh-TW" smtClean="0"/>
-              <a:t>11/9/2014</a:t>
+              <a:t>11/10/2014</a:t>
             </a:fld>
             <a:endParaRPr lang="en-US" dirty="0"/>
           </a:p>
@@ -10509,7 +14225,7 @@
           <a:p>
             <a:fld id="{AEC2295B-7E0D-41E8-86F5-7BFD273F0844}" type="datetime1">
               <a:rPr lang="en-US" altLang="zh-TW" smtClean="0"/>
-              <a:t>11/9/2014</a:t>
+              <a:t>11/10/2014</a:t>
             </a:fld>
             <a:endParaRPr lang="en-US" dirty="0"/>
           </a:p>
@@ -10675,7 +14391,7 @@
           <a:p>
             <a:fld id="{125EF383-62CD-462E-86E7-C540D2683689}" type="datetime1">
               <a:rPr lang="en-US" altLang="zh-TW" smtClean="0"/>
-              <a:t>11/9/2014</a:t>
+              <a:t>11/10/2014</a:t>
             </a:fld>
             <a:endParaRPr lang="en-US" dirty="0"/>
           </a:p>
@@ -10897,7 +14613,7 @@
           <a:p>
             <a:fld id="{EEF06431-A56A-4739-92A2-7C12E5019D09}" type="datetime1">
               <a:rPr lang="en-US" altLang="zh-TW" smtClean="0"/>
-              <a:t>11/9/2014</a:t>
+              <a:t>11/10/2014</a:t>
             </a:fld>
             <a:endParaRPr lang="en-US" dirty="0"/>
           </a:p>
@@ -11157,7 +14873,7 @@
           <a:p>
             <a:fld id="{539694C7-C87B-4AFE-A923-46F3DB40CB5E}" type="datetime1">
               <a:rPr lang="en-US" altLang="zh-TW" smtClean="0"/>
-              <a:t>11/9/2014</a:t>
+              <a:t>11/10/2014</a:t>
             </a:fld>
             <a:endParaRPr lang="en-US" dirty="0"/>
           </a:p>
@@ -11562,7 +15278,7 @@
           <a:p>
             <a:fld id="{6F8E6AF0-C736-49FF-A96B-DCD663B4A88F}" type="datetime1">
               <a:rPr lang="en-US" altLang="zh-TW" smtClean="0"/>
-              <a:t>11/9/2014</a:t>
+              <a:t>11/10/2014</a:t>
             </a:fld>
             <a:endParaRPr lang="en-US" dirty="0"/>
           </a:p>
@@ -11694,7 +15410,7 @@
           <a:p>
             <a:fld id="{836DA3F5-CE00-4DF7-B2CF-399BFD8497B4}" type="datetime1">
               <a:rPr lang="en-US" altLang="zh-TW" smtClean="0"/>
-              <a:t>11/9/2014</a:t>
+              <a:t>11/10/2014</a:t>
             </a:fld>
             <a:endParaRPr lang="en-US" dirty="0"/>
           </a:p>
@@ -11795,7 +15511,7 @@
           <a:p>
             <a:fld id="{40940FB1-C0E0-4ED8-AA3B-E9B1D4312685}" type="datetime1">
               <a:rPr lang="en-US" altLang="zh-TW" smtClean="0"/>
-              <a:t>11/9/2014</a:t>
+              <a:t>11/10/2014</a:t>
             </a:fld>
             <a:endParaRPr lang="en-US" dirty="0"/>
           </a:p>
@@ -12041,7 +15757,7 @@
           <a:p>
             <a:fld id="{35433994-2D31-4ABA-887E-C0C00F5C86D0}" type="datetime1">
               <a:rPr lang="en-US" altLang="zh-TW" smtClean="0"/>
-              <a:t>11/9/2014</a:t>
+              <a:t>11/10/2014</a:t>
             </a:fld>
             <a:endParaRPr lang="en-US" dirty="0"/>
           </a:p>
@@ -12286,7 +16002,7 @@
           <a:p>
             <a:fld id="{5C5F6F21-0866-4E5F-8170-81890A49A6E8}" type="datetime1">
               <a:rPr lang="en-US" altLang="zh-TW" smtClean="0"/>
-              <a:t>11/9/2014</a:t>
+              <a:t>11/10/2014</a:t>
             </a:fld>
             <a:endParaRPr lang="en-US" dirty="0"/>
           </a:p>
@@ -13115,7 +16831,7 @@
           <a:p>
             <a:fld id="{1729DE6E-DC8F-441E-A7C8-024833A9CCA7}" type="datetime1">
               <a:rPr lang="en-US" altLang="zh-TW" smtClean="0"/>
-              <a:t>11/9/2014</a:t>
+              <a:t>11/10/2014</a:t>
             </a:fld>
             <a:endParaRPr lang="en-US" dirty="0"/>
           </a:p>
@@ -13560,10 +17276,16 @@
           </a:xfrm>
         </p:spPr>
         <p:txBody>
-          <a:bodyPr/>
+          <a:bodyPr>
+            <a:normAutofit fontScale="92500" lnSpcReduction="20000"/>
+          </a:bodyPr>
           <a:lstStyle/>
           <a:p>
             <a:pPr algn="r"/>
+            <a:r>
+              <a:rPr lang="en-US" altLang="zh-TW" dirty="0" smtClean="0"/>
+              <a:t>A1003328</a:t>
+            </a:r>
             <a:r>
               <a:rPr lang="zh-TW" altLang="en-US" dirty="0" smtClean="0"/>
               <a:t>黃怡婷</a:t>
@@ -13573,13 +17295,30 @@
           <a:p>
             <a:pPr algn="r"/>
             <a:r>
-              <a:rPr lang="zh-TW" altLang="en-US" dirty="0" smtClean="0"/>
-              <a:t>徐雁</a:t>
+              <a:rPr lang="en-US" altLang="zh-TW" smtClean="0"/>
+              <a:t>A1003344</a:t>
             </a:r>
             <a:r>
-              <a:rPr lang="zh-TW" altLang="en-US" dirty="0"/>
+              <a:rPr lang="zh-TW" altLang="en-US" smtClean="0"/>
+              <a:t>徐</a:t>
+            </a:r>
+            <a:r>
+              <a:rPr lang="zh-TW" altLang="en-US" dirty="0" smtClean="0"/>
+              <a:t>雁</a:t>
+            </a:r>
+            <a:r>
+              <a:rPr lang="zh-TW" altLang="en-US" dirty="0" smtClean="0"/>
               <a:t>琦</a:t>
             </a:r>
+            <a:endParaRPr lang="en-US" altLang="zh-TW" dirty="0" smtClean="0"/>
+          </a:p>
+          <a:p>
+            <a:pPr algn="r"/>
+            <a:r>
+              <a:rPr lang="zh-TW" altLang="en-US" dirty="0" smtClean="0"/>
+              <a:t>指導老師：廖洧杰　老師</a:t>
+            </a:r>
+            <a:endParaRPr lang="zh-TW" altLang="en-US" dirty="0"/>
           </a:p>
         </p:txBody>
       </p:sp>
@@ -14269,42 +18008,6 @@
           <a:bodyPr/>
           <a:lstStyle/>
           <a:p>
-            <a:r>
-              <a:rPr lang="zh-TW" altLang="en-US" dirty="0" smtClean="0">
-                <a:latin typeface="微軟正黑體" pitchFamily="34" charset="-120"/>
-                <a:ea typeface="微軟正黑體" pitchFamily="34" charset="-120"/>
-              </a:rPr>
-              <a:t>依照</a:t>
-            </a:r>
-            <a:r>
-              <a:rPr lang="zh-TW" altLang="en-US" dirty="0">
-                <a:latin typeface="微軟正黑體" pitchFamily="34" charset="-120"/>
-                <a:ea typeface="微軟正黑體" pitchFamily="34" charset="-120"/>
-              </a:rPr>
-              <a:t>「客戶需求核心」設計網頁與系統。</a:t>
-            </a:r>
-            <a:endParaRPr lang="en-US" altLang="zh-TW" dirty="0">
-              <a:latin typeface="微軟正黑體" pitchFamily="34" charset="-120"/>
-              <a:ea typeface="微軟正黑體" pitchFamily="34" charset="-120"/>
-            </a:endParaRPr>
-          </a:p>
-          <a:p>
-            <a:r>
-              <a:rPr lang="zh-TW" altLang="en-US" dirty="0">
-                <a:latin typeface="微軟正黑體" pitchFamily="34" charset="-120"/>
-                <a:ea typeface="微軟正黑體" pitchFamily="34" charset="-120"/>
-              </a:rPr>
-              <a:t>依照「瀏覽者族群」設計視覺呈現。</a:t>
-            </a:r>
-            <a:endParaRPr lang="en-US" altLang="zh-TW" dirty="0">
-              <a:solidFill>
-                <a:schemeClr val="accent2"/>
-              </a:solidFill>
-              <a:latin typeface="微軟正黑體" pitchFamily="34" charset="-120"/>
-              <a:ea typeface="微軟正黑體" pitchFamily="34" charset="-120"/>
-            </a:endParaRPr>
-          </a:p>
-          <a:p>
             <a:endParaRPr lang="zh-TW" altLang="en-US" dirty="0"/>
           </a:p>
         </p:txBody>
@@ -14333,6 +18036,28 @@
           </a:p>
         </p:txBody>
       </p:sp>
+      <p:graphicFrame>
+        <p:nvGraphicFramePr>
+          <p:cNvPr id="5" name="資料庫圖表 4"/>
+          <p:cNvGraphicFramePr/>
+          <p:nvPr>
+            <p:extLst>
+              <p:ext uri="{D42A27DB-BD31-4B8C-83A1-F6EECF244321}">
+                <p14:modId xmlns:p14="http://schemas.microsoft.com/office/powerpoint/2010/main" val="888858593"/>
+              </p:ext>
+            </p:extLst>
+          </p:nvPr>
+        </p:nvGraphicFramePr>
+        <p:xfrm>
+          <a:off x="2032001" y="2463501"/>
+          <a:ext cx="5702748" cy="3674832"/>
+        </p:xfrm>
+        <a:graphic>
+          <a:graphicData uri="http://schemas.openxmlformats.org/drawingml/2006/diagram">
+            <dgm:relIds xmlns:dgm="http://schemas.openxmlformats.org/drawingml/2006/diagram" xmlns:r="http://schemas.openxmlformats.org/officeDocument/2006/relationships" r:dm="rId2" r:lo="rId3" r:qs="rId4" r:cs="rId5"/>
+          </a:graphicData>
+        </a:graphic>
+      </p:graphicFrame>
     </p:spTree>
   </p:cSld>
   <p:clrMapOvr>
@@ -14398,7 +18123,7 @@
             <p:ph idx="1"/>
             <p:extLst>
               <p:ext uri="{D42A27DB-BD31-4B8C-83A1-F6EECF244321}">
-                <p14:modId xmlns:p14="http://schemas.microsoft.com/office/powerpoint/2010/main" val="646960017"/>
+                <p14:modId xmlns:p14="http://schemas.microsoft.com/office/powerpoint/2010/main" val="3403894093"/>
               </p:ext>
             </p:extLst>
           </p:nvPr>
